--- a/ED-Tema-4/4.2 Reporte de Practica_Cynthia Jasmine Morales Torres.pptx
+++ b/ED-Tema-4/4.2 Reporte de Practica_Cynthia Jasmine Morales Torres.pptx
@@ -11,13 +11,7 @@
     <p:sldId id="262" r:id="rId5"/>
     <p:sldId id="263" r:id="rId6"/>
     <p:sldId id="264" r:id="rId7"/>
-    <p:sldId id="265" r:id="rId8"/>
-    <p:sldId id="259" r:id="rId9"/>
-    <p:sldId id="260" r:id="rId10"/>
-    <p:sldId id="266" r:id="rId11"/>
-    <p:sldId id="267" r:id="rId12"/>
-    <p:sldId id="268" r:id="rId13"/>
-    <p:sldId id="261" r:id="rId14"/>
+    <p:sldId id="261" r:id="rId8"/>
   </p:sldIdLst>
   <p:sldSz cx="9144000" cy="6858000" type="screen4x3"/>
   <p:notesSz cx="6858000" cy="9144000"/>
@@ -116,6 +110,11 @@
       </a:defRPr>
     </a:lvl9pPr>
   </p:defaultTextStyle>
+  <p:extLst>
+    <p:ext uri="{EFAFB233-063F-42B5-8137-9DF3F51BA10A}">
+      <p15:sldGuideLst xmlns:p15="http://schemas.microsoft.com/office/powerpoint/2012/main"/>
+    </p:ext>
+  </p:extLst>
 </p:presentation>
 </file>
 
@@ -250,7 +249,7 @@
           <a:p>
             <a:fld id="{52016FA4-11BF-4BAD-93B0-8318A5E93998}" type="datetimeFigureOut">
               <a:rPr lang="es-MX" smtClean="0"/>
-              <a:t>13/12/2025</a:t>
+              <a:t>14/12/2025</a:t>
             </a:fld>
             <a:endParaRPr lang="es-MX"/>
           </a:p>
@@ -420,7 +419,7 @@
           <a:p>
             <a:fld id="{52016FA4-11BF-4BAD-93B0-8318A5E93998}" type="datetimeFigureOut">
               <a:rPr lang="es-MX" smtClean="0"/>
-              <a:t>13/12/2025</a:t>
+              <a:t>14/12/2025</a:t>
             </a:fld>
             <a:endParaRPr lang="es-MX"/>
           </a:p>
@@ -600,7 +599,7 @@
           <a:p>
             <a:fld id="{52016FA4-11BF-4BAD-93B0-8318A5E93998}" type="datetimeFigureOut">
               <a:rPr lang="es-MX" smtClean="0"/>
-              <a:t>13/12/2025</a:t>
+              <a:t>14/12/2025</a:t>
             </a:fld>
             <a:endParaRPr lang="es-MX"/>
           </a:p>
@@ -770,7 +769,7 @@
           <a:p>
             <a:fld id="{52016FA4-11BF-4BAD-93B0-8318A5E93998}" type="datetimeFigureOut">
               <a:rPr lang="es-MX" smtClean="0"/>
-              <a:t>13/12/2025</a:t>
+              <a:t>14/12/2025</a:t>
             </a:fld>
             <a:endParaRPr lang="es-MX"/>
           </a:p>
@@ -1014,7 +1013,7 @@
           <a:p>
             <a:fld id="{52016FA4-11BF-4BAD-93B0-8318A5E93998}" type="datetimeFigureOut">
               <a:rPr lang="es-MX" smtClean="0"/>
-              <a:t>13/12/2025</a:t>
+              <a:t>14/12/2025</a:t>
             </a:fld>
             <a:endParaRPr lang="es-MX"/>
           </a:p>
@@ -1246,7 +1245,7 @@
           <a:p>
             <a:fld id="{52016FA4-11BF-4BAD-93B0-8318A5E93998}" type="datetimeFigureOut">
               <a:rPr lang="es-MX" smtClean="0"/>
-              <a:t>13/12/2025</a:t>
+              <a:t>14/12/2025</a:t>
             </a:fld>
             <a:endParaRPr lang="es-MX"/>
           </a:p>
@@ -1613,7 +1612,7 @@
           <a:p>
             <a:fld id="{52016FA4-11BF-4BAD-93B0-8318A5E93998}" type="datetimeFigureOut">
               <a:rPr lang="es-MX" smtClean="0"/>
-              <a:t>13/12/2025</a:t>
+              <a:t>14/12/2025</a:t>
             </a:fld>
             <a:endParaRPr lang="es-MX"/>
           </a:p>
@@ -1731,7 +1730,7 @@
           <a:p>
             <a:fld id="{52016FA4-11BF-4BAD-93B0-8318A5E93998}" type="datetimeFigureOut">
               <a:rPr lang="es-MX" smtClean="0"/>
-              <a:t>13/12/2025</a:t>
+              <a:t>14/12/2025</a:t>
             </a:fld>
             <a:endParaRPr lang="es-MX"/>
           </a:p>
@@ -1826,7 +1825,7 @@
           <a:p>
             <a:fld id="{52016FA4-11BF-4BAD-93B0-8318A5E93998}" type="datetimeFigureOut">
               <a:rPr lang="es-MX" smtClean="0"/>
-              <a:t>13/12/2025</a:t>
+              <a:t>14/12/2025</a:t>
             </a:fld>
             <a:endParaRPr lang="es-MX"/>
           </a:p>
@@ -2103,7 +2102,7 @@
           <a:p>
             <a:fld id="{52016FA4-11BF-4BAD-93B0-8318A5E93998}" type="datetimeFigureOut">
               <a:rPr lang="es-MX" smtClean="0"/>
-              <a:t>13/12/2025</a:t>
+              <a:t>14/12/2025</a:t>
             </a:fld>
             <a:endParaRPr lang="es-MX"/>
           </a:p>
@@ -2360,7 +2359,7 @@
           <a:p>
             <a:fld id="{52016FA4-11BF-4BAD-93B0-8318A5E93998}" type="datetimeFigureOut">
               <a:rPr lang="es-MX" smtClean="0"/>
-              <a:t>13/12/2025</a:t>
+              <a:t>14/12/2025</a:t>
             </a:fld>
             <a:endParaRPr lang="es-MX"/>
           </a:p>
@@ -2603,7 +2602,7 @@
           <a:p>
             <a:fld id="{52016FA4-11BF-4BAD-93B0-8318A5E93998}" type="datetimeFigureOut">
               <a:rPr lang="es-MX" smtClean="0"/>
-              <a:t>13/12/2025</a:t>
+              <a:t>14/12/2025</a:t>
             </a:fld>
             <a:endParaRPr lang="es-MX"/>
           </a:p>
@@ -3819,7 +3818,7 @@
                 <a:cs typeface="Glacial Indifference"/>
                 <a:sym typeface="Glacial Indifference"/>
               </a:rPr>
-              <a:t>, Chiapas. A 13 de </a:t>
+              <a:t>, Chiapas. A 25 de </a:t>
             </a:r>
             <a:r>
               <a:rPr lang="en-US" sz="1200" b="1" dirty="0" err="1">
@@ -3831,7 +3830,7 @@
                 <a:cs typeface="Glacial Indifference"/>
                 <a:sym typeface="Glacial Indifference"/>
               </a:rPr>
-              <a:t>diciembre</a:t>
+              <a:t>Noviembre</a:t>
             </a:r>
             <a:r>
               <a:rPr lang="en-US" sz="1200" b="1" dirty="0">
@@ -4017,552 +4016,6 @@
 </p:sld>
 </file>
 
-<file path=ppt/slides/slide10.xml><?xml version="1.0" encoding="utf-8"?>
-<p:sld xmlns:a="http://schemas.openxmlformats.org/drawingml/2006/main" xmlns:r="http://schemas.openxmlformats.org/officeDocument/2006/relationships" xmlns:p="http://schemas.openxmlformats.org/presentationml/2006/main">
-  <p:cSld>
-    <p:spTree>
-      <p:nvGrpSpPr>
-        <p:cNvPr id="1" name=""/>
-        <p:cNvGrpSpPr/>
-        <p:nvPr/>
-      </p:nvGrpSpPr>
-      <p:grpSpPr>
-        <a:xfrm>
-          <a:off x="0" y="0"/>
-          <a:ext cx="0" cy="0"/>
-          <a:chOff x="0" y="0"/>
-          <a:chExt cx="0" cy="0"/>
-        </a:xfrm>
-      </p:grpSpPr>
-      <p:sp>
-        <p:nvSpPr>
-          <p:cNvPr id="2" name="Título 1">
-            <a:extLst>
-              <a:ext uri="{FF2B5EF4-FFF2-40B4-BE49-F238E27FC236}">
-                <a16:creationId xmlns:a16="http://schemas.microsoft.com/office/drawing/2014/main" id="{25ED6D3E-CBE9-61BA-AEFD-46723A364BFA}"/>
-              </a:ext>
-            </a:extLst>
-          </p:cNvPr>
-          <p:cNvSpPr>
-            <a:spLocks noGrp="1"/>
-          </p:cNvSpPr>
-          <p:nvPr>
-            <p:ph type="title"/>
-          </p:nvPr>
-        </p:nvSpPr>
-        <p:spPr/>
-        <p:txBody>
-          <a:bodyPr/>
-          <a:lstStyle/>
-          <a:p>
-            <a:r>
-              <a:rPr lang="es-MX" dirty="0"/>
-              <a:t>Método 1</a:t>
-            </a:r>
-          </a:p>
-        </p:txBody>
-      </p:sp>
-      <p:sp>
-        <p:nvSpPr>
-          <p:cNvPr id="3" name="Marcador de contenido 2">
-            <a:extLst>
-              <a:ext uri="{FF2B5EF4-FFF2-40B4-BE49-F238E27FC236}">
-                <a16:creationId xmlns:a16="http://schemas.microsoft.com/office/drawing/2014/main" id="{9CA81014-6547-6AC8-4DDE-0A53615F5AFA}"/>
-              </a:ext>
-            </a:extLst>
-          </p:cNvPr>
-          <p:cNvSpPr>
-            <a:spLocks noGrp="1"/>
-          </p:cNvSpPr>
-          <p:nvPr>
-            <p:ph idx="1"/>
-          </p:nvPr>
-        </p:nvSpPr>
-        <p:spPr>
-          <a:xfrm>
-            <a:off x="628649" y="1658638"/>
-            <a:ext cx="7886700" cy="1174281"/>
-          </a:xfrm>
-        </p:spPr>
-        <p:txBody>
-          <a:bodyPr>
-            <a:normAutofit fontScale="92500"/>
-          </a:bodyPr>
-          <a:lstStyle/>
-          <a:p>
-            <a:pPr marL="0" indent="0">
-              <a:buNone/>
-            </a:pPr>
-            <a:r>
-              <a:rPr lang="es-MX" dirty="0">
-                <a:latin typeface="Century Gothic" panose="020B0502020202020204" pitchFamily="34" charset="0"/>
-              </a:rPr>
-              <a:t>Esta clase representa la estructura principal de un </a:t>
-            </a:r>
-            <a:r>
-              <a:rPr lang="es-MX" b="1" dirty="0">
-                <a:latin typeface="Century Gothic" panose="020B0502020202020204" pitchFamily="34" charset="0"/>
-              </a:rPr>
-              <a:t>grafo</a:t>
-            </a:r>
-            <a:r>
-              <a:rPr lang="es-MX" dirty="0">
-                <a:latin typeface="Century Gothic" panose="020B0502020202020204" pitchFamily="34" charset="0"/>
-              </a:rPr>
-              <a:t>, encargada de almacenar los nodos y de definir cómo se conectan entre sí.</a:t>
-            </a:r>
-          </a:p>
-        </p:txBody>
-      </p:sp>
-      <p:pic>
-        <p:nvPicPr>
-          <p:cNvPr id="4" name="Marcador de contenido 4">
-            <a:extLst>
-              <a:ext uri="{FF2B5EF4-FFF2-40B4-BE49-F238E27FC236}">
-                <a16:creationId xmlns:a16="http://schemas.microsoft.com/office/drawing/2014/main" id="{3E24C773-4BD5-8F8B-C0E5-B9E1A3657367}"/>
-              </a:ext>
-            </a:extLst>
-          </p:cNvPr>
-          <p:cNvPicPr>
-            <a:picLocks noChangeAspect="1"/>
-          </p:cNvPicPr>
-          <p:nvPr/>
-        </p:nvPicPr>
-        <p:blipFill>
-          <a:blip r:embed="rId2"/>
-          <a:stretch>
-            <a:fillRect/>
-          </a:stretch>
-        </p:blipFill>
-        <p:spPr>
-          <a:xfrm>
-            <a:off x="628649" y="2999906"/>
-            <a:ext cx="3253295" cy="3381642"/>
-          </a:xfrm>
-          <a:prstGeom prst="rect">
-            <a:avLst/>
-          </a:prstGeom>
-        </p:spPr>
-      </p:pic>
-      <p:sp>
-        <p:nvSpPr>
-          <p:cNvPr id="6" name="CuadroTexto 5">
-            <a:extLst>
-              <a:ext uri="{FF2B5EF4-FFF2-40B4-BE49-F238E27FC236}">
-                <a16:creationId xmlns:a16="http://schemas.microsoft.com/office/drawing/2014/main" id="{2DE3CB60-650D-222E-94FA-A0DA79BFD961}"/>
-              </a:ext>
-            </a:extLst>
-          </p:cNvPr>
-          <p:cNvSpPr txBox="1"/>
-          <p:nvPr/>
-        </p:nvSpPr>
-        <p:spPr>
-          <a:xfrm>
-            <a:off x="4143676" y="3697772"/>
-            <a:ext cx="4572000" cy="1199816"/>
-          </a:xfrm>
-          <a:prstGeom prst="rect">
-            <a:avLst/>
-          </a:prstGeom>
-          <a:noFill/>
-        </p:spPr>
-        <p:txBody>
-          <a:bodyPr wrap="square">
-            <a:spAutoFit/>
-          </a:bodyPr>
-          <a:lstStyle/>
-          <a:p>
-            <a:r>
-              <a:rPr lang="es-MX" dirty="0">
-                <a:latin typeface="Century Gothic" panose="020B0502020202020204" pitchFamily="34" charset="0"/>
-              </a:rPr>
-              <a:t>Este código permite crear y administrar un grafo, agregando nodos y estableciendo conexiones entre ellos de forma organizada y controlada.</a:t>
-            </a:r>
-          </a:p>
-        </p:txBody>
-      </p:sp>
-    </p:spTree>
-    <p:extLst>
-      <p:ext uri="{BB962C8B-B14F-4D97-AF65-F5344CB8AC3E}">
-        <p14:creationId xmlns:p14="http://schemas.microsoft.com/office/powerpoint/2010/main" val="2431482559"/>
-      </p:ext>
-    </p:extLst>
-  </p:cSld>
-  <p:clrMapOvr>
-    <a:masterClrMapping/>
-  </p:clrMapOvr>
-</p:sld>
-</file>
-
-<file path=ppt/slides/slide11.xml><?xml version="1.0" encoding="utf-8"?>
-<p:sld xmlns:a="http://schemas.openxmlformats.org/drawingml/2006/main" xmlns:r="http://schemas.openxmlformats.org/officeDocument/2006/relationships" xmlns:p="http://schemas.openxmlformats.org/presentationml/2006/main">
-  <p:cSld>
-    <p:spTree>
-      <p:nvGrpSpPr>
-        <p:cNvPr id="1" name=""/>
-        <p:cNvGrpSpPr/>
-        <p:nvPr/>
-      </p:nvGrpSpPr>
-      <p:grpSpPr>
-        <a:xfrm>
-          <a:off x="0" y="0"/>
-          <a:ext cx="0" cy="0"/>
-          <a:chOff x="0" y="0"/>
-          <a:chExt cx="0" cy="0"/>
-        </a:xfrm>
-      </p:grpSpPr>
-      <p:sp>
-        <p:nvSpPr>
-          <p:cNvPr id="2" name="Título 1">
-            <a:extLst>
-              <a:ext uri="{FF2B5EF4-FFF2-40B4-BE49-F238E27FC236}">
-                <a16:creationId xmlns:a16="http://schemas.microsoft.com/office/drawing/2014/main" id="{EEB1EE54-2936-5C7B-738C-BE03E2B84FE8}"/>
-              </a:ext>
-            </a:extLst>
-          </p:cNvPr>
-          <p:cNvSpPr>
-            <a:spLocks noGrp="1"/>
-          </p:cNvSpPr>
-          <p:nvPr>
-            <p:ph type="title"/>
-          </p:nvPr>
-        </p:nvSpPr>
-        <p:spPr/>
-        <p:txBody>
-          <a:bodyPr/>
-          <a:lstStyle/>
-          <a:p>
-            <a:r>
-              <a:rPr lang="es-MX" dirty="0"/>
-              <a:t>Método 2</a:t>
-            </a:r>
-          </a:p>
-        </p:txBody>
-      </p:sp>
-      <p:sp>
-        <p:nvSpPr>
-          <p:cNvPr id="3" name="Marcador de contenido 2">
-            <a:extLst>
-              <a:ext uri="{FF2B5EF4-FFF2-40B4-BE49-F238E27FC236}">
-                <a16:creationId xmlns:a16="http://schemas.microsoft.com/office/drawing/2014/main" id="{CE572716-4656-5A83-5DF0-CB9F10F6DC58}"/>
-              </a:ext>
-            </a:extLst>
-          </p:cNvPr>
-          <p:cNvSpPr>
-            <a:spLocks noGrp="1"/>
-          </p:cNvSpPr>
-          <p:nvPr>
-            <p:ph idx="1"/>
-          </p:nvPr>
-        </p:nvSpPr>
-        <p:spPr>
-          <a:xfrm>
-            <a:off x="628651" y="1825625"/>
-            <a:ext cx="8293968" cy="1235209"/>
-          </a:xfrm>
-        </p:spPr>
-        <p:txBody>
-          <a:bodyPr>
-            <a:normAutofit fontScale="92500" lnSpcReduction="20000"/>
-          </a:bodyPr>
-          <a:lstStyle/>
-          <a:p>
-            <a:pPr marL="0" indent="0">
-              <a:buNone/>
-            </a:pPr>
-            <a:r>
-              <a:rPr lang="es-MX" dirty="0">
-                <a:latin typeface="Century Gothic" panose="020B0502020202020204" pitchFamily="34" charset="0"/>
-              </a:rPr>
-              <a:t>Este método recorre el grafo en anchura comenzando desde un nodo inicial, visitando primero los nodos más cercanos y almacenando el orden de recorrido en una cadena de texto.</a:t>
-            </a:r>
-          </a:p>
-        </p:txBody>
-      </p:sp>
-      <p:pic>
-        <p:nvPicPr>
-          <p:cNvPr id="4" name="Imagen 3">
-            <a:extLst>
-              <a:ext uri="{FF2B5EF4-FFF2-40B4-BE49-F238E27FC236}">
-                <a16:creationId xmlns:a16="http://schemas.microsoft.com/office/drawing/2014/main" id="{D446DC8D-EAFF-AFFA-6805-CF7F2DBCB17F}"/>
-              </a:ext>
-            </a:extLst>
-          </p:cNvPr>
-          <p:cNvPicPr>
-            <a:picLocks noChangeAspect="1"/>
-          </p:cNvPicPr>
-          <p:nvPr/>
-        </p:nvPicPr>
-        <p:blipFill>
-          <a:blip r:embed="rId2"/>
-          <a:stretch>
-            <a:fillRect/>
-          </a:stretch>
-        </p:blipFill>
-        <p:spPr>
-          <a:xfrm>
-            <a:off x="628651" y="3060834"/>
-            <a:ext cx="3009742" cy="3410001"/>
-          </a:xfrm>
-          <a:prstGeom prst="rect">
-            <a:avLst/>
-          </a:prstGeom>
-        </p:spPr>
-      </p:pic>
-    </p:spTree>
-    <p:extLst>
-      <p:ext uri="{BB962C8B-B14F-4D97-AF65-F5344CB8AC3E}">
-        <p14:creationId xmlns:p14="http://schemas.microsoft.com/office/powerpoint/2010/main" val="2609881191"/>
-      </p:ext>
-    </p:extLst>
-  </p:cSld>
-  <p:clrMapOvr>
-    <a:masterClrMapping/>
-  </p:clrMapOvr>
-</p:sld>
-</file>
-
-<file path=ppt/slides/slide12.xml><?xml version="1.0" encoding="utf-8"?>
-<p:sld xmlns:a="http://schemas.openxmlformats.org/drawingml/2006/main" xmlns:r="http://schemas.openxmlformats.org/officeDocument/2006/relationships" xmlns:p="http://schemas.openxmlformats.org/presentationml/2006/main">
-  <p:cSld>
-    <p:spTree>
-      <p:nvGrpSpPr>
-        <p:cNvPr id="1" name=""/>
-        <p:cNvGrpSpPr/>
-        <p:nvPr/>
-      </p:nvGrpSpPr>
-      <p:grpSpPr>
-        <a:xfrm>
-          <a:off x="0" y="0"/>
-          <a:ext cx="0" cy="0"/>
-          <a:chOff x="0" y="0"/>
-          <a:chExt cx="0" cy="0"/>
-        </a:xfrm>
-      </p:grpSpPr>
-      <p:sp>
-        <p:nvSpPr>
-          <p:cNvPr id="2" name="Título 1">
-            <a:extLst>
-              <a:ext uri="{FF2B5EF4-FFF2-40B4-BE49-F238E27FC236}">
-                <a16:creationId xmlns:a16="http://schemas.microsoft.com/office/drawing/2014/main" id="{5B37733C-CE25-642D-BE78-A8F699FCA82B}"/>
-              </a:ext>
-            </a:extLst>
-          </p:cNvPr>
-          <p:cNvSpPr>
-            <a:spLocks noGrp="1"/>
-          </p:cNvSpPr>
-          <p:nvPr>
-            <p:ph type="title"/>
-          </p:nvPr>
-        </p:nvSpPr>
-        <p:spPr/>
-        <p:txBody>
-          <a:bodyPr/>
-          <a:lstStyle/>
-          <a:p>
-            <a:r>
-              <a:rPr lang="es-MX" dirty="0"/>
-              <a:t>Resultado del grafo </a:t>
-            </a:r>
-          </a:p>
-        </p:txBody>
-      </p:sp>
-      <p:pic>
-        <p:nvPicPr>
-          <p:cNvPr id="5" name="Marcador de contenido 4">
-            <a:extLst>
-              <a:ext uri="{FF2B5EF4-FFF2-40B4-BE49-F238E27FC236}">
-                <a16:creationId xmlns:a16="http://schemas.microsoft.com/office/drawing/2014/main" id="{8D485436-BAE6-B568-E421-E2087FE5941D}"/>
-              </a:ext>
-            </a:extLst>
-          </p:cNvPr>
-          <p:cNvPicPr>
-            <a:picLocks noGrp="1" noChangeAspect="1"/>
-          </p:cNvPicPr>
-          <p:nvPr>
-            <p:ph idx="1"/>
-          </p:nvPr>
-        </p:nvPicPr>
-        <p:blipFill>
-          <a:blip r:embed="rId2"/>
-          <a:stretch>
-            <a:fillRect/>
-          </a:stretch>
-        </p:blipFill>
-        <p:spPr>
-          <a:xfrm>
-            <a:off x="2573186" y="1597794"/>
-            <a:ext cx="3997628" cy="1919350"/>
-          </a:xfrm>
-        </p:spPr>
-      </p:pic>
-      <p:pic>
-        <p:nvPicPr>
-          <p:cNvPr id="7" name="Imagen 6">
-            <a:extLst>
-              <a:ext uri="{FF2B5EF4-FFF2-40B4-BE49-F238E27FC236}">
-                <a16:creationId xmlns:a16="http://schemas.microsoft.com/office/drawing/2014/main" id="{5747731F-63D6-F515-EB0A-A1BD41EBDE8C}"/>
-              </a:ext>
-            </a:extLst>
-          </p:cNvPr>
-          <p:cNvPicPr>
-            <a:picLocks noChangeAspect="1"/>
-          </p:cNvPicPr>
-          <p:nvPr/>
-        </p:nvPicPr>
-        <p:blipFill>
-          <a:blip r:embed="rId3"/>
-          <a:stretch>
-            <a:fillRect/>
-          </a:stretch>
-        </p:blipFill>
-        <p:spPr>
-          <a:xfrm>
-            <a:off x="2815819" y="3728331"/>
-            <a:ext cx="3512361" cy="2513325"/>
-          </a:xfrm>
-          <a:prstGeom prst="rect">
-            <a:avLst/>
-          </a:prstGeom>
-        </p:spPr>
-      </p:pic>
-    </p:spTree>
-    <p:extLst>
-      <p:ext uri="{BB962C8B-B14F-4D97-AF65-F5344CB8AC3E}">
-        <p14:creationId xmlns:p14="http://schemas.microsoft.com/office/powerpoint/2010/main" val="902317450"/>
-      </p:ext>
-    </p:extLst>
-  </p:cSld>
-  <p:clrMapOvr>
-    <a:masterClrMapping/>
-  </p:clrMapOvr>
-</p:sld>
-</file>
-
-<file path=ppt/slides/slide13.xml><?xml version="1.0" encoding="utf-8"?>
-<p:sld xmlns:a="http://schemas.openxmlformats.org/drawingml/2006/main" xmlns:r="http://schemas.openxmlformats.org/officeDocument/2006/relationships" xmlns:p="http://schemas.openxmlformats.org/presentationml/2006/main">
-  <p:cSld>
-    <p:spTree>
-      <p:nvGrpSpPr>
-        <p:cNvPr id="1" name=""/>
-        <p:cNvGrpSpPr/>
-        <p:nvPr/>
-      </p:nvGrpSpPr>
-      <p:grpSpPr>
-        <a:xfrm>
-          <a:off x="0" y="0"/>
-          <a:ext cx="0" cy="0"/>
-          <a:chOff x="0" y="0"/>
-          <a:chExt cx="0" cy="0"/>
-        </a:xfrm>
-      </p:grpSpPr>
-      <p:sp>
-        <p:nvSpPr>
-          <p:cNvPr id="2" name="Título 1">
-            <a:extLst>
-              <a:ext uri="{FF2B5EF4-FFF2-40B4-BE49-F238E27FC236}">
-                <a16:creationId xmlns:a16="http://schemas.microsoft.com/office/drawing/2014/main" id="{6B9168EE-4420-3447-E2E9-373B2A67135E}"/>
-              </a:ext>
-            </a:extLst>
-          </p:cNvPr>
-          <p:cNvSpPr>
-            <a:spLocks noGrp="1"/>
-          </p:cNvSpPr>
-          <p:nvPr>
-            <p:ph type="title"/>
-          </p:nvPr>
-        </p:nvSpPr>
-        <p:spPr/>
-        <p:txBody>
-          <a:bodyPr/>
-          <a:lstStyle/>
-          <a:p>
-            <a:r>
-              <a:rPr lang="es-MX" dirty="0"/>
-              <a:t>Conclusión </a:t>
-            </a:r>
-          </a:p>
-        </p:txBody>
-      </p:sp>
-      <p:sp>
-        <p:nvSpPr>
-          <p:cNvPr id="3" name="Marcador de contenido 2">
-            <a:extLst>
-              <a:ext uri="{FF2B5EF4-FFF2-40B4-BE49-F238E27FC236}">
-                <a16:creationId xmlns:a16="http://schemas.microsoft.com/office/drawing/2014/main" id="{A7E324A9-281C-4A5D-4478-353681B0D908}"/>
-              </a:ext>
-            </a:extLst>
-          </p:cNvPr>
-          <p:cNvSpPr>
-            <a:spLocks noGrp="1"/>
-          </p:cNvSpPr>
-          <p:nvPr>
-            <p:ph idx="1"/>
-          </p:nvPr>
-        </p:nvSpPr>
-        <p:spPr/>
-        <p:txBody>
-          <a:bodyPr>
-            <a:normAutofit/>
-          </a:bodyPr>
-          <a:lstStyle/>
-          <a:p>
-            <a:pPr marL="0" indent="0" algn="just">
-              <a:buNone/>
-            </a:pPr>
-            <a:r>
-              <a:rPr lang="es-MX" sz="2000" dirty="0">
-                <a:latin typeface="Century Gothic" panose="020B0502020202020204" pitchFamily="34" charset="0"/>
-              </a:rPr>
-              <a:t>A través del desarrollo de los ejercicios realizados, se logró comprender el funcionamiento y la importancia de las estructuras de datos no lineales. La implementación de árboles binarios y grafos permitió analizar cómo se organizan los datos de manera jerárquica y cómo se recorren utilizando diferentes algoritmos.</a:t>
-            </a:r>
-          </a:p>
-          <a:p>
-            <a:pPr marL="0" indent="0" algn="just">
-              <a:buNone/>
-            </a:pPr>
-            <a:r>
-              <a:rPr lang="es-MX" sz="2000" dirty="0">
-                <a:latin typeface="Century Gothic" panose="020B0502020202020204" pitchFamily="34" charset="0"/>
-              </a:rPr>
-              <a:t>El uso de </a:t>
-            </a:r>
-            <a:r>
-              <a:rPr lang="es-MX" sz="2000" dirty="0" err="1">
-                <a:latin typeface="Century Gothic" panose="020B0502020202020204" pitchFamily="34" charset="0"/>
-              </a:rPr>
-              <a:t>JavaFX</a:t>
-            </a:r>
-            <a:r>
-              <a:rPr lang="es-MX" sz="2000" dirty="0">
-                <a:latin typeface="Century Gothic" panose="020B0502020202020204" pitchFamily="34" charset="0"/>
-              </a:rPr>
-              <a:t> facilitó la interacción con las estructuras, permitiendo ingresar datos, ejecutar recorridos y visualizar resultados de forma clara. Estos ejercicios refuerzan el aprendizaje práctico y demuestran la aplicabilidad de las estructuras no lineales en el desarrollo de software.</a:t>
-            </a:r>
-          </a:p>
-          <a:p>
-            <a:pPr marL="0" indent="0" algn="just">
-              <a:buNone/>
-            </a:pPr>
-            <a:endParaRPr lang="es-MX" sz="2000" dirty="0">
-              <a:latin typeface="Century Gothic" panose="020B0502020202020204" pitchFamily="34" charset="0"/>
-            </a:endParaRPr>
-          </a:p>
-        </p:txBody>
-      </p:sp>
-    </p:spTree>
-    <p:extLst>
-      <p:ext uri="{BB962C8B-B14F-4D97-AF65-F5344CB8AC3E}">
-        <p14:creationId xmlns:p14="http://schemas.microsoft.com/office/powerpoint/2010/main" val="3030624336"/>
-      </p:ext>
-    </p:extLst>
-  </p:cSld>
-  <p:clrMapOvr>
-    <a:masterClrMapping/>
-  </p:clrMapOvr>
-</p:sld>
-</file>
-
 <file path=ppt/slides/slide2.xml><?xml version="1.0" encoding="utf-8"?>
 <p:sld xmlns:a="http://schemas.openxmlformats.org/drawingml/2006/main" xmlns:r="http://schemas.openxmlformats.org/officeDocument/2006/relationships" xmlns:p="http://schemas.openxmlformats.org/presentationml/2006/main">
   <p:cSld>
@@ -4832,21 +4285,47 @@
           <a:chExt cx="0" cy="0"/>
         </a:xfrm>
       </p:grpSpPr>
+      <p:sp>
+        <p:nvSpPr>
+          <p:cNvPr id="2" name="Título 1">
+            <a:extLst>
+              <a:ext uri="{FF2B5EF4-FFF2-40B4-BE49-F238E27FC236}">
+                <a16:creationId xmlns:a16="http://schemas.microsoft.com/office/drawing/2014/main" id="{54BFE89C-AA38-0330-8E0F-FEA70F77A1CA}"/>
+              </a:ext>
+            </a:extLst>
+          </p:cNvPr>
+          <p:cNvSpPr>
+            <a:spLocks noGrp="1"/>
+          </p:cNvSpPr>
+          <p:nvPr>
+            <p:ph type="title"/>
+          </p:nvPr>
+        </p:nvSpPr>
+        <p:spPr/>
+        <p:txBody>
+          <a:bodyPr/>
+          <a:lstStyle/>
+          <a:p>
+            <a:r>
+              <a:rPr lang="es-MX" dirty="0"/>
+              <a:t>ESTRUCTURAS NO LINEALES </a:t>
+            </a:r>
+          </a:p>
+        </p:txBody>
+      </p:sp>
       <p:pic>
         <p:nvPicPr>
-          <p:cNvPr id="4" name="Marcador de contenido 4">
+          <p:cNvPr id="7" name="Imagen 6">
             <a:extLst>
               <a:ext uri="{FF2B5EF4-FFF2-40B4-BE49-F238E27FC236}">
-                <a16:creationId xmlns:a16="http://schemas.microsoft.com/office/drawing/2014/main" id="{FA0909CF-7260-C55C-D315-5176AB17530A}"/>
+                <a16:creationId xmlns:a16="http://schemas.microsoft.com/office/drawing/2014/main" id="{00488875-6D9D-2907-B1C5-29E62530041B}"/>
               </a:ext>
             </a:extLst>
           </p:cNvPr>
           <p:cNvPicPr>
-            <a:picLocks noGrp="1" noChangeAspect="1"/>
+            <a:picLocks noChangeAspect="1"/>
           </p:cNvPicPr>
-          <p:nvPr>
-            <p:ph idx="1"/>
-          </p:nvPr>
+          <p:nvPr/>
         </p:nvPicPr>
         <p:blipFill>
           <a:blip r:embed="rId2"/>
@@ -4856,192 +4335,215 @@
         </p:blipFill>
         <p:spPr>
           <a:xfrm>
-            <a:off x="222908" y="773360"/>
-            <a:ext cx="5068283" cy="6054583"/>
+            <a:off x="340798" y="1690690"/>
+            <a:ext cx="4134914" cy="2573085"/>
+          </a:xfrm>
+          <a:prstGeom prst="rect">
+            <a:avLst/>
+          </a:prstGeom>
+        </p:spPr>
+      </p:pic>
+      <p:pic>
+        <p:nvPicPr>
+          <p:cNvPr id="5" name="Marcador de contenido 4">
+            <a:extLst>
+              <a:ext uri="{FF2B5EF4-FFF2-40B4-BE49-F238E27FC236}">
+                <a16:creationId xmlns:a16="http://schemas.microsoft.com/office/drawing/2014/main" id="{D486C50F-3A47-506F-EFEB-DC229BD487E0}"/>
+              </a:ext>
+            </a:extLst>
+          </p:cNvPr>
+          <p:cNvPicPr>
+            <a:picLocks noGrp="1" noChangeAspect="1"/>
+          </p:cNvPicPr>
+          <p:nvPr>
+            <p:ph idx="1"/>
+          </p:nvPr>
+        </p:nvPicPr>
+        <p:blipFill>
+          <a:blip r:embed="rId3"/>
+          <a:stretch>
+            <a:fillRect/>
+          </a:stretch>
+        </p:blipFill>
+        <p:spPr>
+          <a:xfrm>
+            <a:off x="4572001" y="1690690"/>
+            <a:ext cx="2383940" cy="2573085"/>
           </a:xfrm>
         </p:spPr>
       </p:pic>
       <p:sp>
         <p:nvSpPr>
-          <p:cNvPr id="6" name="CuadroTexto 5">
+          <p:cNvPr id="9" name="Rectangle 1">
             <a:extLst>
               <a:ext uri="{FF2B5EF4-FFF2-40B4-BE49-F238E27FC236}">
-                <a16:creationId xmlns:a16="http://schemas.microsoft.com/office/drawing/2014/main" id="{C6DEBB65-4209-47D0-96F1-E9AA5565DB0E}"/>
+                <a16:creationId xmlns:a16="http://schemas.microsoft.com/office/drawing/2014/main" id="{529A2C64-6E2E-CD4D-1629-8C15E4F09252}"/>
               </a:ext>
             </a:extLst>
           </p:cNvPr>
-          <p:cNvSpPr txBox="1"/>
+          <p:cNvSpPr>
+            <a:spLocks noChangeArrowheads="1"/>
+          </p:cNvSpPr>
           <p:nvPr/>
         </p:nvSpPr>
-        <p:spPr>
+        <p:spPr bwMode="auto">
           <a:xfrm>
-            <a:off x="5468976" y="891268"/>
-            <a:ext cx="3298004" cy="2030428"/>
+            <a:off x="352998" y="4337622"/>
+            <a:ext cx="8606067" cy="2030428"/>
           </a:xfrm>
           <a:prstGeom prst="rect">
             <a:avLst/>
           </a:prstGeom>
           <a:noFill/>
-        </p:spPr>
-        <p:txBody>
-          <a:bodyPr wrap="square" rtlCol="0">
-            <a:spAutoFit/>
-          </a:bodyPr>
-          <a:lstStyle/>
-          <a:p>
-            <a:pPr algn="just"/>
-            <a:r>
-              <a:rPr lang="es-MX" dirty="0">
-                <a:latin typeface="Century Gothic" panose="020B0502020202020204" pitchFamily="34" charset="0"/>
-              </a:rPr>
-              <a:t>Este código implementa un árbol binario de búsqueda que permite insertar valores de forma ordenada y recorrerlos mediante el método </a:t>
-            </a:r>
-            <a:r>
-              <a:rPr lang="es-MX" dirty="0" err="1">
-                <a:latin typeface="Century Gothic" panose="020B0502020202020204" pitchFamily="34" charset="0"/>
-              </a:rPr>
-              <a:t>inorden</a:t>
-            </a:r>
-            <a:r>
-              <a:rPr lang="es-MX" dirty="0">
-                <a:latin typeface="Century Gothic" panose="020B0502020202020204" pitchFamily="34" charset="0"/>
-              </a:rPr>
-              <a:t>, utilizando recursividad</a:t>
-            </a:r>
-          </a:p>
-        </p:txBody>
-      </p:sp>
-      <p:sp>
-        <p:nvSpPr>
-          <p:cNvPr id="7" name="Título 1">
-            <a:extLst>
-              <a:ext uri="{FF2B5EF4-FFF2-40B4-BE49-F238E27FC236}">
-                <a16:creationId xmlns:a16="http://schemas.microsoft.com/office/drawing/2014/main" id="{28E4D29F-0079-4B72-AC45-0891FF1D5F89}"/>
-              </a:ext>
-            </a:extLst>
-          </p:cNvPr>
-          <p:cNvSpPr>
-            <a:spLocks noGrp="1"/>
-          </p:cNvSpPr>
-          <p:nvPr>
-            <p:ph type="title"/>
-          </p:nvPr>
-        </p:nvSpPr>
-        <p:spPr>
-          <a:xfrm>
-            <a:off x="3333378" y="30057"/>
-            <a:ext cx="3179917" cy="785915"/>
-          </a:xfrm>
-        </p:spPr>
-        <p:txBody>
-          <a:bodyPr/>
-          <a:lstStyle/>
-          <a:p>
-            <a:r>
-              <a:rPr lang="es-MX" dirty="0"/>
-              <a:t>Árbol Binario</a:t>
-            </a:r>
-          </a:p>
-        </p:txBody>
-      </p:sp>
-      <p:pic>
-        <p:nvPicPr>
-          <p:cNvPr id="1026" name="Picture 2" descr="Árboles Binarios de Búsqueda en Java - Somos Hackers de la Programación">
-            <a:extLst>
-              <a:ext uri="{FF2B5EF4-FFF2-40B4-BE49-F238E27FC236}">
-                <a16:creationId xmlns:a16="http://schemas.microsoft.com/office/drawing/2014/main" id="{6C68DE7C-0F87-4D5F-E30F-2781C06DF5AF}"/>
-              </a:ext>
-            </a:extLst>
-          </p:cNvPr>
-          <p:cNvPicPr>
-            <a:picLocks noChangeAspect="1" noChangeArrowheads="1"/>
-          </p:cNvPicPr>
-          <p:nvPr/>
-        </p:nvPicPr>
-        <p:blipFill>
-          <a:blip r:embed="rId3">
-            <a:extLst>
-              <a:ext uri="{28A0092B-C50C-407E-A947-70E740481C1C}">
-                <a14:useLocalDpi xmlns:a14="http://schemas.microsoft.com/office/drawing/2010/main" val="0"/>
-              </a:ext>
-            </a:extLst>
-          </a:blip>
-          <a:srcRect/>
-          <a:stretch>
-            <a:fillRect/>
-          </a:stretch>
-        </p:blipFill>
-        <p:spPr bwMode="auto">
-          <a:xfrm>
-            <a:off x="5652802" y="4869325"/>
-            <a:ext cx="2438400" cy="1876425"/>
-          </a:xfrm>
-          <a:prstGeom prst="rect">
-            <a:avLst/>
-          </a:prstGeom>
-          <a:noFill/>
+          <a:ln>
+            <a:noFill/>
+          </a:ln>
+          <a:effectLst/>
           <a:extLst>
             <a:ext uri="{909E8E84-426E-40DD-AFC4-6F175D3DCCD1}">
               <a14:hiddenFill xmlns:a14="http://schemas.microsoft.com/office/drawing/2010/main">
                 <a:solidFill>
-                  <a:srgbClr val="FFFFFF"/>
+                  <a:schemeClr val="accent1"/>
                 </a:solidFill>
               </a14:hiddenFill>
+            </a:ext>
+            <a:ext uri="{91240B29-F687-4F45-9708-019B960494DF}">
+              <a14:hiddenLine xmlns:a14="http://schemas.microsoft.com/office/drawing/2010/main" w="9525">
+                <a:solidFill>
+                  <a:schemeClr val="tx1"/>
+                </a:solidFill>
+                <a:miter lim="800000"/>
+                <a:headEnd/>
+                <a:tailEnd/>
+              </a14:hiddenLine>
+            </a:ext>
+            <a:ext uri="{AF507438-7753-43E0-B8FC-AC1667EBCBE1}">
+              <a14:hiddenEffects xmlns:a14="http://schemas.microsoft.com/office/drawing/2010/main">
+                <a:effectLst>
+                  <a:outerShdw dist="35921" dir="2700000" algn="ctr" rotWithShape="0">
+                    <a:schemeClr val="bg2"/>
+                  </a:outerShdw>
+                </a:effectLst>
+              </a14:hiddenEffects>
             </a:ext>
           </a:extLst>
         </p:spPr>
-      </p:pic>
-      <p:pic>
-        <p:nvPicPr>
-          <p:cNvPr id="1028" name="Picture 4" descr="Estructura de datos - Árboles - Oscar Blancarte - Software Architecture">
-            <a:extLst>
-              <a:ext uri="{FF2B5EF4-FFF2-40B4-BE49-F238E27FC236}">
-                <a16:creationId xmlns:a16="http://schemas.microsoft.com/office/drawing/2014/main" id="{5A26B665-6963-E5FE-E913-8D280D08E437}"/>
-              </a:ext>
-            </a:extLst>
-          </p:cNvPr>
-          <p:cNvPicPr>
-            <a:picLocks noChangeAspect="1" noChangeArrowheads="1"/>
-          </p:cNvPicPr>
-          <p:nvPr/>
-        </p:nvPicPr>
-        <p:blipFill>
-          <a:blip r:embed="rId4">
-            <a:extLst>
-              <a:ext uri="{28A0092B-C50C-407E-A947-70E740481C1C}">
-                <a14:useLocalDpi xmlns:a14="http://schemas.microsoft.com/office/drawing/2010/main" val="0"/>
-              </a:ext>
-            </a:extLst>
-          </a:blip>
-          <a:srcRect/>
-          <a:stretch>
-            <a:fillRect/>
-          </a:stretch>
-        </p:blipFill>
-        <p:spPr bwMode="auto">
-          <a:xfrm>
-            <a:off x="5652802" y="2955108"/>
-            <a:ext cx="2571750" cy="1781175"/>
-          </a:xfrm>
-          <a:prstGeom prst="rect">
-            <a:avLst/>
-          </a:prstGeom>
-          <a:noFill/>
-          <a:extLst>
-            <a:ext uri="{909E8E84-426E-40DD-AFC4-6F175D3DCCD1}">
-              <a14:hiddenFill xmlns:a14="http://schemas.microsoft.com/office/drawing/2010/main">
-                <a:solidFill>
-                  <a:srgbClr val="FFFFFF"/>
-                </a:solidFill>
-              </a14:hiddenFill>
-            </a:ext>
-          </a:extLst>
-        </p:spPr>
-      </p:pic>
+        <p:txBody>
+          <a:bodyPr vert="horz" wrap="square" lIns="91440" tIns="45720" rIns="91440" bIns="45720" numCol="1" anchor="ctr" anchorCtr="0" compatLnSpc="1">
+            <a:prstTxWarp prst="textNoShape">
+              <a:avLst/>
+            </a:prstTxWarp>
+            <a:spAutoFit/>
+          </a:bodyPr>
+          <a:lstStyle/>
+          <a:p>
+            <a:pPr marL="0" marR="0" lvl="0" indent="0" algn="l" defTabSz="914400" rtl="0" eaLnBrk="0" fontAlgn="base" latinLnBrk="0" hangingPunct="0">
+              <a:lnSpc>
+                <a:spcPct val="100000"/>
+              </a:lnSpc>
+              <a:spcBef>
+                <a:spcPct val="0"/>
+              </a:spcBef>
+              <a:spcAft>
+                <a:spcPct val="0"/>
+              </a:spcAft>
+              <a:buClrTx/>
+              <a:buSzTx/>
+              <a:tabLst/>
+            </a:pPr>
+            <a:r>
+              <a:rPr lang="es-MX" altLang="es-MX" dirty="0">
+                <a:latin typeface="Bookman Old Style" panose="02050604050505020204" pitchFamily="18" charset="0"/>
+              </a:rPr>
+              <a:t>Es la primera pantalla que aparece al ejecutar la aplicación. Funciona como un menú de navegación.</a:t>
+            </a:r>
+            <a:br>
+              <a:rPr lang="es-MX" altLang="es-MX" dirty="0">
+                <a:latin typeface="Bookman Old Style" panose="02050604050505020204" pitchFamily="18" charset="0"/>
+              </a:rPr>
+            </a:br>
+            <a:r>
+              <a:rPr lang="es-MX" altLang="es-MX" dirty="0">
+                <a:latin typeface="Bookman Old Style" panose="02050604050505020204" pitchFamily="18" charset="0"/>
+              </a:rPr>
+              <a:t>Permite al usuario elegir entre trabajar con Árboles o Grafos mediante dos botones:</a:t>
+            </a:r>
+          </a:p>
+          <a:p>
+            <a:pPr marL="0" marR="0" lvl="0" indent="0" algn="l" defTabSz="914400" rtl="0" eaLnBrk="0" fontAlgn="base" latinLnBrk="0" hangingPunct="0">
+              <a:lnSpc>
+                <a:spcPct val="100000"/>
+              </a:lnSpc>
+              <a:spcBef>
+                <a:spcPct val="0"/>
+              </a:spcBef>
+              <a:spcAft>
+                <a:spcPct val="0"/>
+              </a:spcAft>
+              <a:buClrTx/>
+              <a:buSzTx/>
+              <a:buFontTx/>
+              <a:buChar char="•"/>
+              <a:tabLst/>
+            </a:pPr>
+            <a:r>
+              <a:rPr lang="es-MX" altLang="es-MX" dirty="0">
+                <a:latin typeface="Bookman Old Style" panose="02050604050505020204" pitchFamily="18" charset="0"/>
+              </a:rPr>
+              <a:t>Árboles → abre la ventana de gestión de Árboles.</a:t>
+            </a:r>
+          </a:p>
+          <a:p>
+            <a:pPr marL="0" marR="0" lvl="0" indent="0" algn="l" defTabSz="914400" rtl="0" eaLnBrk="0" fontAlgn="base" latinLnBrk="0" hangingPunct="0">
+              <a:lnSpc>
+                <a:spcPct val="100000"/>
+              </a:lnSpc>
+              <a:spcBef>
+                <a:spcPct val="0"/>
+              </a:spcBef>
+              <a:spcAft>
+                <a:spcPct val="0"/>
+              </a:spcAft>
+              <a:buClrTx/>
+              <a:buSzTx/>
+              <a:buFontTx/>
+              <a:buChar char="•"/>
+              <a:tabLst/>
+            </a:pPr>
+            <a:r>
+              <a:rPr lang="es-MX" altLang="es-MX" dirty="0">
+                <a:latin typeface="Bookman Old Style" panose="02050604050505020204" pitchFamily="18" charset="0"/>
+              </a:rPr>
+              <a:t>Grafos → abre la ventana de gestión de Grafos.</a:t>
+            </a:r>
+          </a:p>
+          <a:p>
+            <a:pPr marL="0" marR="0" lvl="0" indent="0" algn="l" defTabSz="914400" rtl="0" eaLnBrk="0" fontAlgn="base" latinLnBrk="0" hangingPunct="0">
+              <a:lnSpc>
+                <a:spcPct val="100000"/>
+              </a:lnSpc>
+              <a:spcBef>
+                <a:spcPct val="0"/>
+              </a:spcBef>
+              <a:spcAft>
+                <a:spcPct val="0"/>
+              </a:spcAft>
+              <a:buClrTx/>
+              <a:buSzTx/>
+              <a:buFontTx/>
+              <a:buNone/>
+              <a:tabLst/>
+            </a:pPr>
+            <a:endParaRPr lang="es-MX" altLang="es-MX" dirty="0">
+              <a:latin typeface="Bookman Old Style" panose="02050604050505020204" pitchFamily="18" charset="0"/>
+            </a:endParaRPr>
+          </a:p>
+        </p:txBody>
+      </p:sp>
     </p:spTree>
     <p:extLst>
       <p:ext uri="{BB962C8B-B14F-4D97-AF65-F5344CB8AC3E}">
-        <p14:creationId xmlns:p14="http://schemas.microsoft.com/office/powerpoint/2010/main" val="2519693876"/>
+        <p14:creationId xmlns:p14="http://schemas.microsoft.com/office/powerpoint/2010/main" val="2303759087"/>
       </p:ext>
     </p:extLst>
   </p:cSld>
@@ -5073,7 +4575,7 @@
           <p:cNvPr id="2" name="Título 1">
             <a:extLst>
               <a:ext uri="{FF2B5EF4-FFF2-40B4-BE49-F238E27FC236}">
-                <a16:creationId xmlns:a16="http://schemas.microsoft.com/office/drawing/2014/main" id="{DCBB85EF-4423-558E-FD62-E095C3C5165D}"/>
+                <a16:creationId xmlns:a16="http://schemas.microsoft.com/office/drawing/2014/main" id="{B989EF8D-3088-E5E5-D706-B2003FD7C195}"/>
               </a:ext>
             </a:extLst>
           </p:cNvPr>
@@ -5086,8 +4588,8 @@
         </p:nvSpPr>
         <p:spPr>
           <a:xfrm>
-            <a:off x="628651" y="365128"/>
-            <a:ext cx="4183981" cy="924658"/>
+            <a:off x="5107589" y="536508"/>
+            <a:ext cx="2782369" cy="672563"/>
           </a:xfrm>
         </p:spPr>
         <p:txBody>
@@ -5097,110 +4599,18 @@
           <a:lstStyle/>
           <a:p>
             <a:r>
-              <a:rPr lang="es-MX" dirty="0">
-                <a:latin typeface="Century Gothic" panose="020B0502020202020204" pitchFamily="34" charset="0"/>
-              </a:rPr>
-              <a:t>Primer método</a:t>
-            </a:r>
-          </a:p>
-        </p:txBody>
-      </p:sp>
-      <p:sp>
-        <p:nvSpPr>
-          <p:cNvPr id="3" name="Marcador de contenido 2">
+              <a:rPr lang="es-MX" dirty="0"/>
+              <a:t>Árbol binario</a:t>
+            </a:r>
+          </a:p>
+        </p:txBody>
+      </p:sp>
+      <p:pic>
+        <p:nvPicPr>
+          <p:cNvPr id="9" name="Imagen 8">
             <a:extLst>
               <a:ext uri="{FF2B5EF4-FFF2-40B4-BE49-F238E27FC236}">
-                <a16:creationId xmlns:a16="http://schemas.microsoft.com/office/drawing/2014/main" id="{693361CE-DE8F-715A-93DF-94E987B5BE8F}"/>
-              </a:ext>
-            </a:extLst>
-          </p:cNvPr>
-          <p:cNvSpPr>
-            <a:spLocks noGrp="1"/>
-          </p:cNvSpPr>
-          <p:nvPr>
-            <p:ph idx="1"/>
-          </p:nvPr>
-        </p:nvSpPr>
-        <p:spPr>
-          <a:xfrm>
-            <a:off x="628651" y="4141133"/>
-            <a:ext cx="5714397" cy="1865031"/>
-          </a:xfrm>
-        </p:spPr>
-        <p:txBody>
-          <a:bodyPr>
-            <a:normAutofit/>
-          </a:bodyPr>
-          <a:lstStyle/>
-          <a:p>
-            <a:pPr marL="0" indent="0" algn="just">
-              <a:buNone/>
-            </a:pPr>
-            <a:r>
-              <a:rPr lang="es-MX" sz="2000" dirty="0"/>
-              <a:t>Este método </a:t>
-            </a:r>
-            <a:r>
-              <a:rPr lang="es-MX" sz="2000" b="1" dirty="0"/>
-              <a:t>inserta un valor dentro del árbol binario de búsqueda</a:t>
-            </a:r>
-            <a:r>
-              <a:rPr lang="es-MX" sz="2000" dirty="0"/>
-              <a:t> usando </a:t>
-            </a:r>
-            <a:r>
-              <a:rPr lang="es-MX" sz="2000" b="1" dirty="0"/>
-              <a:t>recursividad</a:t>
-            </a:r>
-            <a:r>
-              <a:rPr lang="es-MX" sz="2000" dirty="0"/>
-              <a:t>, respetando la regla:</a:t>
-            </a:r>
-          </a:p>
-          <a:p>
-            <a:pPr>
-              <a:buFont typeface="Arial" panose="020B0604020202020204" pitchFamily="34" charset="0"/>
-              <a:buChar char="•"/>
-            </a:pPr>
-            <a:r>
-              <a:rPr lang="es-MX" sz="2000" dirty="0"/>
-              <a:t>Valores </a:t>
-            </a:r>
-            <a:r>
-              <a:rPr lang="es-MX" sz="2000" b="1" dirty="0"/>
-              <a:t>menores → izquierda</a:t>
-            </a:r>
-            <a:endParaRPr lang="es-MX" sz="2000" dirty="0"/>
-          </a:p>
-          <a:p>
-            <a:pPr>
-              <a:buFont typeface="Arial" panose="020B0604020202020204" pitchFamily="34" charset="0"/>
-              <a:buChar char="•"/>
-            </a:pPr>
-            <a:r>
-              <a:rPr lang="es-MX" sz="2000" dirty="0"/>
-              <a:t>Valores </a:t>
-            </a:r>
-            <a:r>
-              <a:rPr lang="es-MX" sz="2000" b="1" dirty="0"/>
-              <a:t>mayores → derecha</a:t>
-            </a:r>
-            <a:endParaRPr lang="es-MX" sz="2000" dirty="0"/>
-          </a:p>
-          <a:p>
-            <a:pPr marL="0" indent="0">
-              <a:buNone/>
-            </a:pPr>
-            <a:endParaRPr lang="es-MX" sz="2000" dirty="0"/>
-          </a:p>
-        </p:txBody>
-      </p:sp>
-      <p:pic>
-        <p:nvPicPr>
-          <p:cNvPr id="5" name="Imagen 4">
-            <a:extLst>
-              <a:ext uri="{FF2B5EF4-FFF2-40B4-BE49-F238E27FC236}">
-                <a16:creationId xmlns:a16="http://schemas.microsoft.com/office/drawing/2014/main" id="{E2A0C749-7997-FA65-FA32-E119B08CF431}"/>
+                <a16:creationId xmlns:a16="http://schemas.microsoft.com/office/drawing/2014/main" id="{3130FD8C-50D8-2035-75EC-B914BD2ACE84}"/>
               </a:ext>
             </a:extLst>
           </p:cNvPr>
@@ -5217,54 +4627,298 @@
         </p:blipFill>
         <p:spPr>
           <a:xfrm>
-            <a:off x="175358" y="1224815"/>
-            <a:ext cx="5763429" cy="2600688"/>
+            <a:off x="4931595" y="3604450"/>
+            <a:ext cx="2958363" cy="3143813"/>
           </a:xfrm>
           <a:prstGeom prst="rect">
             <a:avLst/>
           </a:prstGeom>
         </p:spPr>
       </p:pic>
-      <p:sp>
-        <p:nvSpPr>
-          <p:cNvPr id="6" name="CuadroTexto 5">
+      <p:pic>
+        <p:nvPicPr>
+          <p:cNvPr id="11" name="Imagen 10">
             <a:extLst>
               <a:ext uri="{FF2B5EF4-FFF2-40B4-BE49-F238E27FC236}">
-                <a16:creationId xmlns:a16="http://schemas.microsoft.com/office/drawing/2014/main" id="{76666C35-3828-FF1F-77C0-A5382E9CA550}"/>
+                <a16:creationId xmlns:a16="http://schemas.microsoft.com/office/drawing/2014/main" id="{0AF80509-AE19-81BE-9883-4E3B06A06B2F}"/>
               </a:ext>
             </a:extLst>
           </p:cNvPr>
-          <p:cNvSpPr txBox="1"/>
+          <p:cNvPicPr>
+            <a:picLocks noChangeAspect="1"/>
+          </p:cNvPicPr>
           <p:nvPr/>
-        </p:nvSpPr>
+        </p:nvPicPr>
+        <p:blipFill>
+          <a:blip r:embed="rId3"/>
+          <a:stretch>
+            <a:fillRect/>
+          </a:stretch>
+        </p:blipFill>
         <p:spPr>
           <a:xfrm>
-            <a:off x="5938787" y="1395662"/>
-            <a:ext cx="3205213" cy="1753557"/>
+            <a:off x="123885" y="109737"/>
+            <a:ext cx="2767209" cy="2624210"/>
+          </a:xfrm>
+          <a:prstGeom prst="rect">
+            <a:avLst/>
+          </a:prstGeom>
+        </p:spPr>
+      </p:pic>
+      <p:sp>
+        <p:nvSpPr>
+          <p:cNvPr id="12" name="Rectangle 1">
+            <a:extLst>
+              <a:ext uri="{FF2B5EF4-FFF2-40B4-BE49-F238E27FC236}">
+                <a16:creationId xmlns:a16="http://schemas.microsoft.com/office/drawing/2014/main" id="{E55F6F49-08A2-BBA4-8C73-7766F6EAA6A4}"/>
+              </a:ext>
+            </a:extLst>
+          </p:cNvPr>
+          <p:cNvSpPr>
+            <a:spLocks noChangeArrowheads="1"/>
+          </p:cNvSpPr>
+          <p:nvPr/>
+        </p:nvSpPr>
+        <p:spPr bwMode="auto">
+          <a:xfrm>
+            <a:off x="2891093" y="1599133"/>
+            <a:ext cx="6561131" cy="2062103"/>
           </a:xfrm>
           <a:prstGeom prst="rect">
             <a:avLst/>
           </a:prstGeom>
           <a:noFill/>
+          <a:ln>
+            <a:noFill/>
+          </a:ln>
+          <a:effectLst/>
+          <a:extLst>
+            <a:ext uri="{909E8E84-426E-40DD-AFC4-6F175D3DCCD1}">
+              <a14:hiddenFill xmlns:a14="http://schemas.microsoft.com/office/drawing/2010/main">
+                <a:solidFill>
+                  <a:schemeClr val="accent1"/>
+                </a:solidFill>
+              </a14:hiddenFill>
+            </a:ext>
+            <a:ext uri="{91240B29-F687-4F45-9708-019B960494DF}">
+              <a14:hiddenLine xmlns:a14="http://schemas.microsoft.com/office/drawing/2010/main" w="9525">
+                <a:solidFill>
+                  <a:schemeClr val="tx1"/>
+                </a:solidFill>
+                <a:miter lim="800000"/>
+                <a:headEnd/>
+                <a:tailEnd/>
+              </a14:hiddenLine>
+            </a:ext>
+            <a:ext uri="{AF507438-7753-43E0-B8FC-AC1667EBCBE1}">
+              <a14:hiddenEffects xmlns:a14="http://schemas.microsoft.com/office/drawing/2010/main">
+                <a:effectLst>
+                  <a:outerShdw dist="35921" dir="2700000" algn="ctr" rotWithShape="0">
+                    <a:schemeClr val="bg2"/>
+                  </a:outerShdw>
+                </a:effectLst>
+              </a14:hiddenEffects>
+            </a:ext>
+          </a:extLst>
         </p:spPr>
         <p:txBody>
-          <a:bodyPr wrap="square" rtlCol="0">
+          <a:bodyPr vert="horz" wrap="square" lIns="91440" tIns="45720" rIns="91440" bIns="45720" numCol="1" anchor="ctr" anchorCtr="0" compatLnSpc="1">
+            <a:prstTxWarp prst="textNoShape">
+              <a:avLst/>
+            </a:prstTxWarp>
             <a:spAutoFit/>
           </a:bodyPr>
           <a:lstStyle/>
           <a:p>
-            <a:pPr algn="just"/>
-            <a:r>
-              <a:rPr lang="es-MX" dirty="0"/>
-              <a:t>Este método inserta valores en un árbol binario de búsqueda usando recursividad, comparando el valor a insertar con cada nodo hasta encontrar una posición vacía.</a:t>
-            </a:r>
-          </a:p>
-        </p:txBody>
-      </p:sp>
+            <a:pPr marL="0" marR="0" lvl="0" indent="0" algn="l" defTabSz="914400" rtl="0" eaLnBrk="0" fontAlgn="base" latinLnBrk="0" hangingPunct="0">
+              <a:lnSpc>
+                <a:spcPct val="100000"/>
+              </a:lnSpc>
+              <a:spcBef>
+                <a:spcPct val="0"/>
+              </a:spcBef>
+              <a:spcAft>
+                <a:spcPct val="0"/>
+              </a:spcAft>
+              <a:buClrTx/>
+              <a:buSzTx/>
+              <a:tabLst/>
+            </a:pPr>
+            <a:r>
+              <a:rPr lang="es-MX" altLang="es-MX" sz="1600" dirty="0">
+                <a:latin typeface="Bookman Old Style" panose="02050604050505020204" pitchFamily="18" charset="0"/>
+              </a:rPr>
+              <a:t>Una interfaz para insertar números en un árbol binario y recorrerlo en orden.</a:t>
+            </a:r>
+          </a:p>
+          <a:p>
+            <a:pPr marL="0" marR="0" lvl="0" indent="0" algn="l" defTabSz="914400" rtl="0" eaLnBrk="0" fontAlgn="base" latinLnBrk="0" hangingPunct="0">
+              <a:lnSpc>
+                <a:spcPct val="100000"/>
+              </a:lnSpc>
+              <a:spcBef>
+                <a:spcPct val="0"/>
+              </a:spcBef>
+              <a:spcAft>
+                <a:spcPct val="0"/>
+              </a:spcAft>
+              <a:buClrTx/>
+              <a:buSzTx/>
+              <a:tabLst/>
+            </a:pPr>
+            <a:br>
+              <a:rPr lang="es-MX" altLang="es-MX" sz="1600" dirty="0">
+                <a:latin typeface="Bookman Old Style" panose="02050604050505020204" pitchFamily="18" charset="0"/>
+              </a:rPr>
+            </a:br>
+            <a:r>
+              <a:rPr lang="es-MX" altLang="es-MX" sz="1600" dirty="0">
+                <a:latin typeface="Bookman Old Style" panose="02050604050505020204" pitchFamily="18" charset="0"/>
+              </a:rPr>
+              <a:t>Permite al usuario:</a:t>
+            </a:r>
+          </a:p>
+          <a:p>
+            <a:pPr marL="0" marR="0" lvl="0" indent="0" algn="l" defTabSz="914400" rtl="0" eaLnBrk="0" fontAlgn="base" latinLnBrk="0" hangingPunct="0">
+              <a:lnSpc>
+                <a:spcPct val="100000"/>
+              </a:lnSpc>
+              <a:spcBef>
+                <a:spcPct val="0"/>
+              </a:spcBef>
+              <a:spcAft>
+                <a:spcPct val="0"/>
+              </a:spcAft>
+              <a:buClrTx/>
+              <a:buSzTx/>
+              <a:buFontTx/>
+              <a:buAutoNum type="arabicPeriod"/>
+              <a:tabLst/>
+            </a:pPr>
+            <a:r>
+              <a:rPr lang="es-MX" altLang="es-MX" sz="1600" dirty="0">
+                <a:latin typeface="Bookman Old Style" panose="02050604050505020204" pitchFamily="18" charset="0"/>
+              </a:rPr>
+              <a:t>Insertar un valor en el árbol.</a:t>
+            </a:r>
+          </a:p>
+          <a:p>
+            <a:pPr marL="0" marR="0" lvl="0" indent="0" algn="l" defTabSz="914400" rtl="0" eaLnBrk="0" fontAlgn="base" latinLnBrk="0" hangingPunct="0">
+              <a:lnSpc>
+                <a:spcPct val="100000"/>
+              </a:lnSpc>
+              <a:spcBef>
+                <a:spcPct val="0"/>
+              </a:spcBef>
+              <a:spcAft>
+                <a:spcPct val="0"/>
+              </a:spcAft>
+              <a:buClrTx/>
+              <a:buSzTx/>
+              <a:buFontTx/>
+              <a:buAutoNum type="arabicPeriod" startAt="2"/>
+              <a:tabLst/>
+            </a:pPr>
+            <a:r>
+              <a:rPr lang="es-MX" altLang="es-MX" sz="1600" dirty="0">
+                <a:latin typeface="Bookman Old Style" panose="02050604050505020204" pitchFamily="18" charset="0"/>
+              </a:rPr>
+              <a:t>Mostrar el recorrido </a:t>
+            </a:r>
+            <a:r>
+              <a:rPr lang="es-MX" altLang="es-MX" sz="1600" dirty="0" err="1">
+                <a:latin typeface="Bookman Old Style" panose="02050604050505020204" pitchFamily="18" charset="0"/>
+              </a:rPr>
+              <a:t>inorden</a:t>
+            </a:r>
+            <a:r>
+              <a:rPr lang="es-MX" altLang="es-MX" sz="1600" dirty="0">
+                <a:latin typeface="Bookman Old Style" panose="02050604050505020204" pitchFamily="18" charset="0"/>
+              </a:rPr>
+              <a:t> (izquierda → nodo → derecha).</a:t>
+            </a:r>
+          </a:p>
+          <a:p>
+            <a:pPr marL="0" marR="0" lvl="0" indent="0" algn="l" defTabSz="914400" rtl="0" eaLnBrk="0" fontAlgn="base" latinLnBrk="0" hangingPunct="0">
+              <a:lnSpc>
+                <a:spcPct val="100000"/>
+              </a:lnSpc>
+              <a:spcBef>
+                <a:spcPct val="0"/>
+              </a:spcBef>
+              <a:spcAft>
+                <a:spcPct val="0"/>
+              </a:spcAft>
+              <a:buClrTx/>
+              <a:buSzTx/>
+              <a:buFontTx/>
+              <a:buAutoNum type="arabicPeriod" startAt="3"/>
+              <a:tabLst/>
+            </a:pPr>
+            <a:r>
+              <a:rPr lang="es-MX" altLang="es-MX" sz="1600" dirty="0">
+                <a:latin typeface="Bookman Old Style" panose="02050604050505020204" pitchFamily="18" charset="0"/>
+              </a:rPr>
+              <a:t>Regresar al menú principal.</a:t>
+            </a:r>
+          </a:p>
+          <a:p>
+            <a:pPr marL="0" marR="0" lvl="0" indent="0" algn="l" defTabSz="914400" rtl="0" eaLnBrk="0" fontAlgn="base" latinLnBrk="0" hangingPunct="0">
+              <a:lnSpc>
+                <a:spcPct val="100000"/>
+              </a:lnSpc>
+              <a:spcBef>
+                <a:spcPct val="0"/>
+              </a:spcBef>
+              <a:spcAft>
+                <a:spcPct val="0"/>
+              </a:spcAft>
+              <a:buClrTx/>
+              <a:buSzTx/>
+              <a:buFontTx/>
+              <a:buNone/>
+              <a:tabLst/>
+            </a:pPr>
+            <a:endParaRPr lang="es-MX" altLang="es-MX" sz="1600" dirty="0">
+              <a:latin typeface="Bookman Old Style" panose="02050604050505020204" pitchFamily="18" charset="0"/>
+            </a:endParaRPr>
+          </a:p>
+        </p:txBody>
+      </p:sp>
+      <p:pic>
+        <p:nvPicPr>
+          <p:cNvPr id="14" name="Imagen 13">
+            <a:extLst>
+              <a:ext uri="{FF2B5EF4-FFF2-40B4-BE49-F238E27FC236}">
+                <a16:creationId xmlns:a16="http://schemas.microsoft.com/office/drawing/2014/main" id="{991C8F39-6A1B-877E-F765-6E2DE73C1BF2}"/>
+              </a:ext>
+            </a:extLst>
+          </p:cNvPr>
+          <p:cNvPicPr>
+            <a:picLocks noChangeAspect="1"/>
+          </p:cNvPicPr>
+          <p:nvPr/>
+        </p:nvPicPr>
+        <p:blipFill>
+          <a:blip r:embed="rId4"/>
+          <a:stretch>
+            <a:fillRect/>
+          </a:stretch>
+        </p:blipFill>
+        <p:spPr>
+          <a:xfrm>
+            <a:off x="123886" y="2790226"/>
+            <a:ext cx="2767210" cy="3958037"/>
+          </a:xfrm>
+          <a:prstGeom prst="rect">
+            <a:avLst/>
+          </a:prstGeom>
+        </p:spPr>
+      </p:pic>
     </p:spTree>
     <p:extLst>
       <p:ext uri="{BB962C8B-B14F-4D97-AF65-F5344CB8AC3E}">
-        <p14:creationId xmlns:p14="http://schemas.microsoft.com/office/powerpoint/2010/main" val="3174842629"/>
+        <p14:creationId xmlns:p14="http://schemas.microsoft.com/office/powerpoint/2010/main" val="3893136107"/>
       </p:ext>
     </p:extLst>
   </p:cSld>
@@ -5296,7 +4950,7 @@
           <p:cNvPr id="2" name="Título 1">
             <a:extLst>
               <a:ext uri="{FF2B5EF4-FFF2-40B4-BE49-F238E27FC236}">
-                <a16:creationId xmlns:a16="http://schemas.microsoft.com/office/drawing/2014/main" id="{6AFC130E-9F50-3752-C33E-03198ADB47B0}"/>
+                <a16:creationId xmlns:a16="http://schemas.microsoft.com/office/drawing/2014/main" id="{65F8A7A2-AABF-72CC-5C06-B74EA990C546}"/>
               </a:ext>
             </a:extLst>
           </p:cNvPr>
@@ -5307,67 +4961,60 @@
             <p:ph type="title"/>
           </p:nvPr>
         </p:nvSpPr>
-        <p:spPr/>
-        <p:txBody>
-          <a:bodyPr/>
+        <p:spPr>
+          <a:xfrm>
+            <a:off x="5806827" y="1773756"/>
+            <a:ext cx="1385084" cy="631466"/>
+          </a:xfrm>
+        </p:spPr>
+        <p:txBody>
+          <a:bodyPr>
+            <a:normAutofit fontScale="90000"/>
+          </a:bodyPr>
           <a:lstStyle/>
           <a:p>
             <a:r>
               <a:rPr lang="es-MX" dirty="0"/>
-              <a:t>Segundo método </a:t>
-            </a:r>
-          </a:p>
-        </p:txBody>
-      </p:sp>
-      <p:sp>
-        <p:nvSpPr>
-          <p:cNvPr id="3" name="Marcador de contenido 2">
+              <a:t>grafo</a:t>
+            </a:r>
+          </a:p>
+        </p:txBody>
+      </p:sp>
+      <p:pic>
+        <p:nvPicPr>
+          <p:cNvPr id="5" name="Marcador de contenido 4">
             <a:extLst>
               <a:ext uri="{FF2B5EF4-FFF2-40B4-BE49-F238E27FC236}">
-                <a16:creationId xmlns:a16="http://schemas.microsoft.com/office/drawing/2014/main" id="{93290322-2FF1-0A82-5B49-AC785186962E}"/>
+                <a16:creationId xmlns:a16="http://schemas.microsoft.com/office/drawing/2014/main" id="{AB11ACC9-A5EA-9962-E0A3-0A00993C3834}"/>
               </a:ext>
             </a:extLst>
           </p:cNvPr>
-          <p:cNvSpPr>
-            <a:spLocks noGrp="1"/>
-          </p:cNvSpPr>
+          <p:cNvPicPr>
+            <a:picLocks noGrp="1" noChangeAspect="1"/>
+          </p:cNvPicPr>
           <p:nvPr>
             <p:ph idx="1"/>
           </p:nvPr>
-        </p:nvSpPr>
+        </p:nvPicPr>
+        <p:blipFill>
+          <a:blip r:embed="rId2"/>
+          <a:stretch>
+            <a:fillRect/>
+          </a:stretch>
+        </p:blipFill>
         <p:spPr>
           <a:xfrm>
-            <a:off x="715278" y="5121393"/>
-            <a:ext cx="4840003" cy="1119705"/>
+            <a:off x="2311685" y="299447"/>
+            <a:ext cx="2782733" cy="2948619"/>
           </a:xfrm>
         </p:spPr>
-        <p:txBody>
-          <a:bodyPr>
-            <a:normAutofit/>
-          </a:bodyPr>
-          <a:lstStyle/>
-          <a:p>
-            <a:r>
-              <a:rPr lang="es-MX" sz="2000" dirty="0"/>
-              <a:t>El método </a:t>
-            </a:r>
-            <a:r>
-              <a:rPr lang="es-MX" sz="2000" dirty="0" err="1"/>
-              <a:t>inorden</a:t>
-            </a:r>
-            <a:r>
-              <a:rPr lang="es-MX" sz="2000" dirty="0"/>
-              <a:t> recorre el árbol binario siguiendo el orden izquierda–raíz–derecha y devuelve los valores ordenados.</a:t>
-            </a:r>
-          </a:p>
-        </p:txBody>
-      </p:sp>
+      </p:pic>
       <p:pic>
         <p:nvPicPr>
-          <p:cNvPr id="5" name="Imagen 4">
+          <p:cNvPr id="7" name="Imagen 6">
             <a:extLst>
               <a:ext uri="{FF2B5EF4-FFF2-40B4-BE49-F238E27FC236}">
-                <a16:creationId xmlns:a16="http://schemas.microsoft.com/office/drawing/2014/main" id="{01178E27-0861-CCD3-E78B-9534174DCD89}"/>
+                <a16:creationId xmlns:a16="http://schemas.microsoft.com/office/drawing/2014/main" id="{5B17ED1E-7E34-B4EC-F96B-4D31E863AB57}"/>
               </a:ext>
             </a:extLst>
           </p:cNvPr>
@@ -5377,112 +5024,269 @@
           <p:nvPr/>
         </p:nvPicPr>
         <p:blipFill>
-          <a:blip r:embed="rId2"/>
+          <a:blip r:embed="rId3"/>
           <a:stretch>
             <a:fillRect/>
           </a:stretch>
         </p:blipFill>
         <p:spPr>
           <a:xfrm>
-            <a:off x="2553703" y="1390705"/>
-            <a:ext cx="4376486" cy="1753046"/>
+            <a:off x="227189" y="226031"/>
+            <a:ext cx="2002303" cy="3095452"/>
           </a:xfrm>
           <a:prstGeom prst="rect">
             <a:avLst/>
           </a:prstGeom>
         </p:spPr>
       </p:pic>
-      <p:sp>
-        <p:nvSpPr>
-          <p:cNvPr id="6" name="CuadroTexto 5">
+      <p:pic>
+        <p:nvPicPr>
+          <p:cNvPr id="9" name="Imagen 8">
             <a:extLst>
               <a:ext uri="{FF2B5EF4-FFF2-40B4-BE49-F238E27FC236}">
-                <a16:creationId xmlns:a16="http://schemas.microsoft.com/office/drawing/2014/main" id="{9AC5DC42-9C7B-9C97-DBB7-0D30A563F7AC}"/>
+                <a16:creationId xmlns:a16="http://schemas.microsoft.com/office/drawing/2014/main" id="{E83435BA-AB3E-36C4-E678-B69B38493FB8}"/>
               </a:ext>
             </a:extLst>
           </p:cNvPr>
-          <p:cNvSpPr txBox="1"/>
+          <p:cNvPicPr>
+            <a:picLocks noChangeAspect="1"/>
+          </p:cNvPicPr>
           <p:nvPr/>
-        </p:nvSpPr>
+        </p:nvPicPr>
+        <p:blipFill>
+          <a:blip r:embed="rId4"/>
+          <a:stretch>
+            <a:fillRect/>
+          </a:stretch>
+        </p:blipFill>
         <p:spPr>
           <a:xfrm>
-            <a:off x="847023" y="3429000"/>
-            <a:ext cx="6631806" cy="1199816"/>
+            <a:off x="227189" y="3429000"/>
+            <a:ext cx="3411171" cy="3379292"/>
+          </a:xfrm>
+          <a:prstGeom prst="rect">
+            <a:avLst/>
+          </a:prstGeom>
+        </p:spPr>
+      </p:pic>
+      <p:sp>
+        <p:nvSpPr>
+          <p:cNvPr id="10" name="Rectangle 1">
+            <a:extLst>
+              <a:ext uri="{FF2B5EF4-FFF2-40B4-BE49-F238E27FC236}">
+                <a16:creationId xmlns:a16="http://schemas.microsoft.com/office/drawing/2014/main" id="{A4510081-BB04-7AF4-D94E-33F37757D804}"/>
+              </a:ext>
+            </a:extLst>
+          </p:cNvPr>
+          <p:cNvSpPr>
+            <a:spLocks noChangeArrowheads="1"/>
+          </p:cNvSpPr>
+          <p:nvPr/>
+        </p:nvSpPr>
+        <p:spPr bwMode="auto">
+          <a:xfrm>
+            <a:off x="3811714" y="3609934"/>
+            <a:ext cx="5105098" cy="2861040"/>
           </a:xfrm>
           <a:prstGeom prst="rect">
             <a:avLst/>
           </a:prstGeom>
           <a:noFill/>
+          <a:ln>
+            <a:noFill/>
+          </a:ln>
+          <a:effectLst/>
+          <a:extLst>
+            <a:ext uri="{909E8E84-426E-40DD-AFC4-6F175D3DCCD1}">
+              <a14:hiddenFill xmlns:a14="http://schemas.microsoft.com/office/drawing/2010/main">
+                <a:solidFill>
+                  <a:schemeClr val="accent1"/>
+                </a:solidFill>
+              </a14:hiddenFill>
+            </a:ext>
+            <a:ext uri="{91240B29-F687-4F45-9708-019B960494DF}">
+              <a14:hiddenLine xmlns:a14="http://schemas.microsoft.com/office/drawing/2010/main" w="9525">
+                <a:solidFill>
+                  <a:schemeClr val="tx1"/>
+                </a:solidFill>
+                <a:miter lim="800000"/>
+                <a:headEnd/>
+                <a:tailEnd/>
+              </a14:hiddenLine>
+            </a:ext>
+            <a:ext uri="{AF507438-7753-43E0-B8FC-AC1667EBCBE1}">
+              <a14:hiddenEffects xmlns:a14="http://schemas.microsoft.com/office/drawing/2010/main">
+                <a:effectLst>
+                  <a:outerShdw dist="35921" dir="2700000" algn="ctr" rotWithShape="0">
+                    <a:schemeClr val="bg2"/>
+                  </a:outerShdw>
+                </a:effectLst>
+              </a14:hiddenEffects>
+            </a:ext>
+          </a:extLst>
         </p:spPr>
         <p:txBody>
-          <a:bodyPr wrap="square" rtlCol="0">
+          <a:bodyPr vert="horz" wrap="square" lIns="91440" tIns="45720" rIns="91440" bIns="45720" numCol="1" anchor="ctr" anchorCtr="0" compatLnSpc="1">
+            <a:prstTxWarp prst="textNoShape">
+              <a:avLst/>
+            </a:prstTxWarp>
             <a:spAutoFit/>
           </a:bodyPr>
           <a:lstStyle/>
           <a:p>
-            <a:pPr algn="just"/>
-            <a:r>
-              <a:rPr lang="es-MX" dirty="0"/>
-              <a:t>Este método </a:t>
-            </a:r>
-            <a:r>
-              <a:rPr lang="es-MX" b="1" dirty="0"/>
-              <a:t>realiza el recorrido </a:t>
-            </a:r>
-            <a:r>
-              <a:rPr lang="es-MX" b="1" dirty="0" err="1"/>
-              <a:t>Inorden</a:t>
-            </a:r>
-            <a:r>
-              <a:rPr lang="es-MX" b="1" dirty="0"/>
-              <a:t> del árbol binario</a:t>
-            </a:r>
-            <a:r>
-              <a:rPr lang="es-MX" dirty="0"/>
-              <a:t> y </a:t>
-            </a:r>
-            <a:r>
-              <a:rPr lang="es-MX" b="1" dirty="0"/>
-              <a:t>regresa los valores en forma de texto</a:t>
-            </a:r>
-            <a:r>
-              <a:rPr lang="es-MX" dirty="0"/>
-              <a:t>.</a:t>
-            </a:r>
-          </a:p>
-          <a:p>
-            <a:pPr algn="just"/>
-            <a:r>
-              <a:rPr lang="es-MX" dirty="0"/>
-              <a:t>En un </a:t>
-            </a:r>
-            <a:r>
-              <a:rPr lang="es-MX" b="1" dirty="0"/>
-              <a:t>árbol binario de búsqueda</a:t>
-            </a:r>
-            <a:r>
-              <a:rPr lang="es-MX" dirty="0"/>
-              <a:t>, el recorrido </a:t>
-            </a:r>
-            <a:r>
-              <a:rPr lang="es-MX" b="1" dirty="0" err="1"/>
-              <a:t>Inorden</a:t>
-            </a:r>
-            <a:r>
-              <a:rPr lang="es-MX" b="1" dirty="0"/>
-              <a:t> muestra los valores ordenados de menor a mayor</a:t>
-            </a:r>
-            <a:r>
-              <a:rPr lang="es-MX" dirty="0"/>
-              <a:t>.</a:t>
-            </a:r>
+            <a:pPr marL="0" marR="0" lvl="0" indent="0" algn="l" defTabSz="914400" rtl="0" eaLnBrk="0" fontAlgn="base" latinLnBrk="0" hangingPunct="0">
+              <a:lnSpc>
+                <a:spcPct val="100000"/>
+              </a:lnSpc>
+              <a:spcBef>
+                <a:spcPct val="0"/>
+              </a:spcBef>
+              <a:spcAft>
+                <a:spcPct val="0"/>
+              </a:spcAft>
+              <a:buClrTx/>
+              <a:buSzTx/>
+              <a:tabLst/>
+            </a:pPr>
+            <a:r>
+              <a:rPr lang="es-MX" altLang="es-MX" dirty="0">
+                <a:latin typeface="Bookman Old Style" panose="02050604050505020204" pitchFamily="18" charset="0"/>
+              </a:rPr>
+              <a:t>Una interfaz para crear y visualizar grafos no dirigidos con vértices y aristas.</a:t>
+            </a:r>
+            <a:br>
+              <a:rPr lang="es-MX" altLang="es-MX" dirty="0">
+                <a:latin typeface="Bookman Old Style" panose="02050604050505020204" pitchFamily="18" charset="0"/>
+              </a:rPr>
+            </a:br>
+            <a:r>
+              <a:rPr lang="es-MX" altLang="es-MX" dirty="0">
+                <a:latin typeface="Bookman Old Style" panose="02050604050505020204" pitchFamily="18" charset="0"/>
+              </a:rPr>
+              <a:t>Permite al usuario:</a:t>
+            </a:r>
+          </a:p>
+          <a:p>
+            <a:pPr marL="0" marR="0" lvl="0" indent="0" algn="l" defTabSz="914400" rtl="0" eaLnBrk="0" fontAlgn="base" latinLnBrk="0" hangingPunct="0">
+              <a:lnSpc>
+                <a:spcPct val="100000"/>
+              </a:lnSpc>
+              <a:spcBef>
+                <a:spcPct val="0"/>
+              </a:spcBef>
+              <a:spcAft>
+                <a:spcPct val="0"/>
+              </a:spcAft>
+              <a:buClrTx/>
+              <a:buSzTx/>
+              <a:buFontTx/>
+              <a:buAutoNum type="arabicPeriod"/>
+              <a:tabLst/>
+            </a:pPr>
+            <a:r>
+              <a:rPr lang="es-MX" altLang="es-MX" dirty="0">
+                <a:latin typeface="Bookman Old Style" panose="02050604050505020204" pitchFamily="18" charset="0"/>
+              </a:rPr>
+              <a:t>Agregar vértices individualmente.</a:t>
+            </a:r>
+          </a:p>
+          <a:p>
+            <a:pPr marL="0" marR="0" lvl="0" indent="0" algn="l" defTabSz="914400" rtl="0" eaLnBrk="0" fontAlgn="base" latinLnBrk="0" hangingPunct="0">
+              <a:lnSpc>
+                <a:spcPct val="100000"/>
+              </a:lnSpc>
+              <a:spcBef>
+                <a:spcPct val="0"/>
+              </a:spcBef>
+              <a:spcAft>
+                <a:spcPct val="0"/>
+              </a:spcAft>
+              <a:buClrTx/>
+              <a:buSzTx/>
+              <a:buFontTx/>
+              <a:buAutoNum type="arabicPeriod" startAt="2"/>
+              <a:tabLst/>
+            </a:pPr>
+            <a:r>
+              <a:rPr lang="es-MX" altLang="es-MX" dirty="0">
+                <a:latin typeface="Bookman Old Style" panose="02050604050505020204" pitchFamily="18" charset="0"/>
+              </a:rPr>
+              <a:t>Agregar aristas entre dos vértices existentes.</a:t>
+            </a:r>
+          </a:p>
+          <a:p>
+            <a:pPr marL="0" marR="0" lvl="0" indent="0" algn="l" defTabSz="914400" rtl="0" eaLnBrk="0" fontAlgn="base" latinLnBrk="0" hangingPunct="0">
+              <a:lnSpc>
+                <a:spcPct val="100000"/>
+              </a:lnSpc>
+              <a:spcBef>
+                <a:spcPct val="0"/>
+              </a:spcBef>
+              <a:spcAft>
+                <a:spcPct val="0"/>
+              </a:spcAft>
+              <a:buClrTx/>
+              <a:buSzTx/>
+              <a:buFontTx/>
+              <a:buAutoNum type="arabicPeriod" startAt="3"/>
+              <a:tabLst/>
+            </a:pPr>
+            <a:r>
+              <a:rPr lang="es-MX" altLang="es-MX" dirty="0">
+                <a:latin typeface="Bookman Old Style" panose="02050604050505020204" pitchFamily="18" charset="0"/>
+              </a:rPr>
+              <a:t>Mostrar el grafo completo en forma de texto.</a:t>
+            </a:r>
+          </a:p>
+          <a:p>
+            <a:pPr marL="0" marR="0" lvl="0" indent="0" algn="l" defTabSz="914400" rtl="0" eaLnBrk="0" fontAlgn="base" latinLnBrk="0" hangingPunct="0">
+              <a:lnSpc>
+                <a:spcPct val="100000"/>
+              </a:lnSpc>
+              <a:spcBef>
+                <a:spcPct val="0"/>
+              </a:spcBef>
+              <a:spcAft>
+                <a:spcPct val="0"/>
+              </a:spcAft>
+              <a:buClrTx/>
+              <a:buSzTx/>
+              <a:buFontTx/>
+              <a:buAutoNum type="arabicPeriod" startAt="4"/>
+              <a:tabLst/>
+            </a:pPr>
+            <a:r>
+              <a:rPr lang="es-MX" altLang="es-MX" dirty="0">
+                <a:latin typeface="Bookman Old Style" panose="02050604050505020204" pitchFamily="18" charset="0"/>
+              </a:rPr>
+              <a:t>Regresar al menú principal.</a:t>
+            </a:r>
+          </a:p>
+          <a:p>
+            <a:pPr marL="0" marR="0" lvl="0" indent="0" algn="l" defTabSz="914400" rtl="0" eaLnBrk="0" fontAlgn="base" latinLnBrk="0" hangingPunct="0">
+              <a:lnSpc>
+                <a:spcPct val="100000"/>
+              </a:lnSpc>
+              <a:spcBef>
+                <a:spcPct val="0"/>
+              </a:spcBef>
+              <a:spcAft>
+                <a:spcPct val="0"/>
+              </a:spcAft>
+              <a:buClrTx/>
+              <a:buSzTx/>
+              <a:tabLst/>
+            </a:pPr>
+            <a:endParaRPr lang="es-MX" altLang="es-MX" dirty="0">
+              <a:latin typeface="Bookman Old Style" panose="02050604050505020204" pitchFamily="18" charset="0"/>
+            </a:endParaRPr>
           </a:p>
         </p:txBody>
       </p:sp>
     </p:spTree>
     <p:extLst>
       <p:ext uri="{BB962C8B-B14F-4D97-AF65-F5344CB8AC3E}">
-        <p14:creationId xmlns:p14="http://schemas.microsoft.com/office/powerpoint/2010/main" val="1403625533"/>
+        <p14:creationId xmlns:p14="http://schemas.microsoft.com/office/powerpoint/2010/main" val="828257855"/>
       </p:ext>
     </p:extLst>
   </p:cSld>
@@ -5514,7 +5318,7 @@
           <p:cNvPr id="2" name="Título 1">
             <a:extLst>
               <a:ext uri="{FF2B5EF4-FFF2-40B4-BE49-F238E27FC236}">
-                <a16:creationId xmlns:a16="http://schemas.microsoft.com/office/drawing/2014/main" id="{09F0323A-8F20-D060-56E0-31F656D7F320}"/>
+                <a16:creationId xmlns:a16="http://schemas.microsoft.com/office/drawing/2014/main" id="{6B9168EE-4420-3447-E2E9-373B2A67135E}"/>
               </a:ext>
             </a:extLst>
           </p:cNvPr>
@@ -5532,7 +5336,7 @@
           <a:p>
             <a:r>
               <a:rPr lang="es-MX" dirty="0"/>
-              <a:t>Ultimo método </a:t>
+              <a:t>Conclusión </a:t>
             </a:r>
           </a:p>
         </p:txBody>
@@ -5542,7 +5346,7 @@
           <p:cNvPr id="3" name="Marcador de contenido 2">
             <a:extLst>
               <a:ext uri="{FF2B5EF4-FFF2-40B4-BE49-F238E27FC236}">
-                <a16:creationId xmlns:a16="http://schemas.microsoft.com/office/drawing/2014/main" id="{D484FD5E-C5A6-44AF-B00C-C8D1360F432D}"/>
+                <a16:creationId xmlns:a16="http://schemas.microsoft.com/office/drawing/2014/main" id="{A7E324A9-281C-4A5D-4478-353681B0D908}"/>
               </a:ext>
             </a:extLst>
           </p:cNvPr>
@@ -5553,454 +5357,60 @@
             <p:ph idx="1"/>
           </p:nvPr>
         </p:nvSpPr>
-        <p:spPr>
-          <a:xfrm>
-            <a:off x="1081038" y="4357069"/>
-            <a:ext cx="7206313" cy="1870476"/>
-          </a:xfrm>
-        </p:spPr>
-        <p:txBody>
-          <a:bodyPr/>
-          <a:lstStyle/>
-          <a:p>
-            <a:pPr marL="0" indent="0">
+        <p:spPr/>
+        <p:txBody>
+          <a:bodyPr>
+            <a:normAutofit/>
+          </a:bodyPr>
+          <a:lstStyle/>
+          <a:p>
+            <a:pPr marL="0" indent="0" algn="just">
               <a:buNone/>
             </a:pPr>
             <a:r>
-              <a:rPr lang="es-MX" dirty="0"/>
-              <a:t>Este método </a:t>
-            </a:r>
-            <a:r>
-              <a:rPr lang="es-MX" b="1" dirty="0"/>
-              <a:t>realiza el recorrido </a:t>
-            </a:r>
-            <a:r>
-              <a:rPr lang="es-MX" b="1" dirty="0" err="1"/>
-              <a:t>inorden</a:t>
-            </a:r>
-            <a:r>
-              <a:rPr lang="es-MX" b="1" dirty="0"/>
-              <a:t> del árbol binario</a:t>
-            </a:r>
-            <a:r>
-              <a:rPr lang="es-MX" dirty="0"/>
-              <a:t> de forma </a:t>
-            </a:r>
-            <a:r>
-              <a:rPr lang="es-MX" b="1" dirty="0"/>
-              <a:t>recursiva</a:t>
-            </a:r>
-            <a:r>
-              <a:rPr lang="es-MX" dirty="0"/>
-              <a:t>.</a:t>
-            </a:r>
-          </a:p>
-          <a:p>
-            <a:pPr marL="0" indent="0">
+              <a:rPr lang="es-MX" sz="2000" dirty="0">
+                <a:latin typeface="Century Gothic" panose="020B0502020202020204" pitchFamily="34" charset="0"/>
+              </a:rPr>
+              <a:t>A través del desarrollo de los ejercicios realizados, se logró comprender el funcionamiento y la importancia de las estructuras de datos no lineales. La implementación de árboles binarios y grafos permitió analizar cómo se organizan los datos de manera jerárquica y cómo se recorren utilizando diferentes algoritmos.</a:t>
+            </a:r>
+          </a:p>
+          <a:p>
+            <a:pPr marL="0" indent="0" algn="just">
               <a:buNone/>
             </a:pPr>
             <a:r>
-              <a:rPr lang="es-MX" dirty="0"/>
-              <a:t>Sigue la regla:</a:t>
-            </a:r>
-            <a:br>
-              <a:rPr lang="es-MX" dirty="0"/>
-            </a:br>
-            <a:r>
-              <a:rPr lang="es-MX" b="1" dirty="0"/>
-              <a:t>Izquierda → Nodo → Derecha</a:t>
-            </a:r>
-            <a:endParaRPr lang="es-MX" dirty="0"/>
-          </a:p>
-          <a:p>
-            <a:endParaRPr lang="es-MX" dirty="0"/>
-          </a:p>
-        </p:txBody>
-      </p:sp>
-      <p:pic>
-        <p:nvPicPr>
-          <p:cNvPr id="5" name="Imagen 4">
-            <a:extLst>
-              <a:ext uri="{FF2B5EF4-FFF2-40B4-BE49-F238E27FC236}">
-                <a16:creationId xmlns:a16="http://schemas.microsoft.com/office/drawing/2014/main" id="{9CFACFB0-AE94-6240-4A4E-09A486A982D7}"/>
-              </a:ext>
-            </a:extLst>
-          </p:cNvPr>
-          <p:cNvPicPr>
-            <a:picLocks noChangeAspect="1"/>
-          </p:cNvPicPr>
-          <p:nvPr/>
-        </p:nvPicPr>
-        <p:blipFill>
-          <a:blip r:embed="rId2"/>
-          <a:stretch>
-            <a:fillRect/>
-          </a:stretch>
-        </p:blipFill>
-        <p:spPr>
-          <a:xfrm>
-            <a:off x="2095154" y="1456090"/>
-            <a:ext cx="4953691" cy="1905266"/>
-          </a:xfrm>
-          <a:prstGeom prst="rect">
-            <a:avLst/>
-          </a:prstGeom>
-        </p:spPr>
-      </p:pic>
+              <a:rPr lang="es-MX" sz="2000" dirty="0">
+                <a:latin typeface="Century Gothic" panose="020B0502020202020204" pitchFamily="34" charset="0"/>
+              </a:rPr>
+              <a:t>El uso de </a:t>
+            </a:r>
+            <a:r>
+              <a:rPr lang="es-MX" sz="2000" dirty="0" err="1">
+                <a:latin typeface="Century Gothic" panose="020B0502020202020204" pitchFamily="34" charset="0"/>
+              </a:rPr>
+              <a:t>JavaFX</a:t>
+            </a:r>
+            <a:r>
+              <a:rPr lang="es-MX" sz="2000" dirty="0">
+                <a:latin typeface="Century Gothic" panose="020B0502020202020204" pitchFamily="34" charset="0"/>
+              </a:rPr>
+              <a:t> facilitó la interacción con las estructuras, permitiendo ingresar datos, ejecutar recorridos y visualizar resultados de forma clara. Estos ejercicios refuerzan el aprendizaje práctico y demuestran la aplicabilidad de las estructuras no lineales en el desarrollo de software.</a:t>
+            </a:r>
+          </a:p>
+          <a:p>
+            <a:pPr marL="0" indent="0" algn="just">
+              <a:buNone/>
+            </a:pPr>
+            <a:endParaRPr lang="es-MX" sz="2000" dirty="0">
+              <a:latin typeface="Century Gothic" panose="020B0502020202020204" pitchFamily="34" charset="0"/>
+            </a:endParaRPr>
+          </a:p>
+        </p:txBody>
+      </p:sp>
     </p:spTree>
     <p:extLst>
       <p:ext uri="{BB962C8B-B14F-4D97-AF65-F5344CB8AC3E}">
-        <p14:creationId xmlns:p14="http://schemas.microsoft.com/office/powerpoint/2010/main" val="2679185835"/>
-      </p:ext>
-    </p:extLst>
-  </p:cSld>
-  <p:clrMapOvr>
-    <a:masterClrMapping/>
-  </p:clrMapOvr>
-</p:sld>
-</file>
-
-<file path=ppt/slides/slide8.xml><?xml version="1.0" encoding="utf-8"?>
-<p:sld xmlns:a="http://schemas.openxmlformats.org/drawingml/2006/main" xmlns:r="http://schemas.openxmlformats.org/officeDocument/2006/relationships" xmlns:p="http://schemas.openxmlformats.org/presentationml/2006/main">
-  <p:cSld>
-    <p:spTree>
-      <p:nvGrpSpPr>
-        <p:cNvPr id="1" name=""/>
-        <p:cNvGrpSpPr/>
-        <p:nvPr/>
-      </p:nvGrpSpPr>
-      <p:grpSpPr>
-        <a:xfrm>
-          <a:off x="0" y="0"/>
-          <a:ext cx="0" cy="0"/>
-          <a:chOff x="0" y="0"/>
-          <a:chExt cx="0" cy="0"/>
-        </a:xfrm>
-      </p:grpSpPr>
-      <p:sp>
-        <p:nvSpPr>
-          <p:cNvPr id="2" name="Título 1">
-            <a:extLst>
-              <a:ext uri="{FF2B5EF4-FFF2-40B4-BE49-F238E27FC236}">
-                <a16:creationId xmlns:a16="http://schemas.microsoft.com/office/drawing/2014/main" id="{571903F6-F662-B3EB-7F24-63EEF12CF498}"/>
-              </a:ext>
-            </a:extLst>
-          </p:cNvPr>
-          <p:cNvSpPr>
-            <a:spLocks noGrp="1"/>
-          </p:cNvSpPr>
-          <p:nvPr>
-            <p:ph type="title"/>
-          </p:nvPr>
-        </p:nvSpPr>
-        <p:spPr>
-          <a:xfrm>
-            <a:off x="1676765" y="399836"/>
-            <a:ext cx="6349637" cy="785915"/>
-          </a:xfrm>
-        </p:spPr>
-        <p:txBody>
-          <a:bodyPr>
-            <a:normAutofit fontScale="90000"/>
-          </a:bodyPr>
-          <a:lstStyle/>
-          <a:p>
-            <a:r>
-              <a:rPr lang="es-MX" dirty="0">
-                <a:latin typeface="Century Gothic" panose="020B0502020202020204" pitchFamily="34" charset="0"/>
-              </a:rPr>
-              <a:t>Resultados Árbol Binario</a:t>
-            </a:r>
-          </a:p>
-        </p:txBody>
-      </p:sp>
-      <p:pic>
-        <p:nvPicPr>
-          <p:cNvPr id="7" name="Imagen 6">
-            <a:extLst>
-              <a:ext uri="{FF2B5EF4-FFF2-40B4-BE49-F238E27FC236}">
-                <a16:creationId xmlns:a16="http://schemas.microsoft.com/office/drawing/2014/main" id="{79A11ED9-E34E-181A-DCE0-F513DE840CDD}"/>
-              </a:ext>
-            </a:extLst>
-          </p:cNvPr>
-          <p:cNvPicPr>
-            <a:picLocks noChangeAspect="1"/>
-          </p:cNvPicPr>
-          <p:nvPr/>
-        </p:nvPicPr>
-        <p:blipFill>
-          <a:blip r:embed="rId2"/>
-          <a:stretch>
-            <a:fillRect/>
-          </a:stretch>
-        </p:blipFill>
-        <p:spPr>
-          <a:xfrm>
-            <a:off x="2122610" y="1185751"/>
-            <a:ext cx="4596274" cy="2243249"/>
-          </a:xfrm>
-          <a:prstGeom prst="rect">
-            <a:avLst/>
-          </a:prstGeom>
-        </p:spPr>
-      </p:pic>
-      <p:pic>
-        <p:nvPicPr>
-          <p:cNvPr id="15" name="Imagen 14">
-            <a:extLst>
-              <a:ext uri="{FF2B5EF4-FFF2-40B4-BE49-F238E27FC236}">
-                <a16:creationId xmlns:a16="http://schemas.microsoft.com/office/drawing/2014/main" id="{3F3FC0E9-3F3D-0B8A-437C-B23AA352F581}"/>
-              </a:ext>
-            </a:extLst>
-          </p:cNvPr>
-          <p:cNvPicPr>
-            <a:picLocks noChangeAspect="1"/>
-          </p:cNvPicPr>
-          <p:nvPr/>
-        </p:nvPicPr>
-        <p:blipFill>
-          <a:blip r:embed="rId3"/>
-          <a:stretch>
-            <a:fillRect/>
-          </a:stretch>
-        </p:blipFill>
-        <p:spPr>
-          <a:xfrm>
-            <a:off x="2599371" y="3652061"/>
-            <a:ext cx="3945258" cy="2806103"/>
-          </a:xfrm>
-          <a:prstGeom prst="rect">
-            <a:avLst/>
-          </a:prstGeom>
-        </p:spPr>
-      </p:pic>
-    </p:spTree>
-    <p:extLst>
-      <p:ext uri="{BB962C8B-B14F-4D97-AF65-F5344CB8AC3E}">
-        <p14:creationId xmlns:p14="http://schemas.microsoft.com/office/powerpoint/2010/main" val="912997912"/>
-      </p:ext>
-    </p:extLst>
-  </p:cSld>
-  <p:clrMapOvr>
-    <a:masterClrMapping/>
-  </p:clrMapOvr>
-</p:sld>
-</file>
-
-<file path=ppt/slides/slide9.xml><?xml version="1.0" encoding="utf-8"?>
-<p:sld xmlns:a="http://schemas.openxmlformats.org/drawingml/2006/main" xmlns:r="http://schemas.openxmlformats.org/officeDocument/2006/relationships" xmlns:p="http://schemas.openxmlformats.org/presentationml/2006/main">
-  <p:cSld>
-    <p:spTree>
-      <p:nvGrpSpPr>
-        <p:cNvPr id="1" name=""/>
-        <p:cNvGrpSpPr/>
-        <p:nvPr/>
-      </p:nvGrpSpPr>
-      <p:grpSpPr>
-        <a:xfrm>
-          <a:off x="0" y="0"/>
-          <a:ext cx="0" cy="0"/>
-          <a:chOff x="0" y="0"/>
-          <a:chExt cx="0" cy="0"/>
-        </a:xfrm>
-      </p:grpSpPr>
-      <p:sp>
-        <p:nvSpPr>
-          <p:cNvPr id="2" name="Título 1">
-            <a:extLst>
-              <a:ext uri="{FF2B5EF4-FFF2-40B4-BE49-F238E27FC236}">
-                <a16:creationId xmlns:a16="http://schemas.microsoft.com/office/drawing/2014/main" id="{2F26BC92-EA6A-3960-C878-935CBD50BDDD}"/>
-              </a:ext>
-            </a:extLst>
-          </p:cNvPr>
-          <p:cNvSpPr>
-            <a:spLocks noGrp="1"/>
-          </p:cNvSpPr>
-          <p:nvPr>
-            <p:ph type="title"/>
-          </p:nvPr>
-        </p:nvSpPr>
-        <p:spPr/>
-        <p:txBody>
-          <a:bodyPr/>
-          <a:lstStyle/>
-          <a:p>
-            <a:r>
-              <a:rPr lang="es-MX" dirty="0"/>
-              <a:t>Grafo</a:t>
-            </a:r>
-          </a:p>
-        </p:txBody>
-      </p:sp>
-      <p:pic>
-        <p:nvPicPr>
-          <p:cNvPr id="5" name="Marcador de contenido 4">
-            <a:extLst>
-              <a:ext uri="{FF2B5EF4-FFF2-40B4-BE49-F238E27FC236}">
-                <a16:creationId xmlns:a16="http://schemas.microsoft.com/office/drawing/2014/main" id="{00460DD2-391C-9EBD-A343-E4C8989F29AD}"/>
-              </a:ext>
-            </a:extLst>
-          </p:cNvPr>
-          <p:cNvPicPr>
-            <a:picLocks noGrp="1" noChangeAspect="1"/>
-          </p:cNvPicPr>
-          <p:nvPr>
-            <p:ph idx="1"/>
-          </p:nvPr>
-        </p:nvPicPr>
-        <p:blipFill>
-          <a:blip r:embed="rId2"/>
-          <a:stretch>
-            <a:fillRect/>
-          </a:stretch>
-        </p:blipFill>
-        <p:spPr>
-          <a:xfrm>
-            <a:off x="707857" y="1565742"/>
-            <a:ext cx="3253295" cy="3381642"/>
-          </a:xfrm>
-        </p:spPr>
-      </p:pic>
-      <p:pic>
-        <p:nvPicPr>
-          <p:cNvPr id="7" name="Imagen 6">
-            <a:extLst>
-              <a:ext uri="{FF2B5EF4-FFF2-40B4-BE49-F238E27FC236}">
-                <a16:creationId xmlns:a16="http://schemas.microsoft.com/office/drawing/2014/main" id="{CEA64FDB-F1F8-BBFB-B656-07C9F64227F0}"/>
-              </a:ext>
-            </a:extLst>
-          </p:cNvPr>
-          <p:cNvPicPr>
-            <a:picLocks noChangeAspect="1"/>
-          </p:cNvPicPr>
-          <p:nvPr/>
-        </p:nvPicPr>
-        <p:blipFill>
-          <a:blip r:embed="rId3"/>
-          <a:stretch>
-            <a:fillRect/>
-          </a:stretch>
-        </p:blipFill>
-        <p:spPr>
-          <a:xfrm>
-            <a:off x="4228456" y="1551563"/>
-            <a:ext cx="3009742" cy="3410001"/>
-          </a:xfrm>
-          <a:prstGeom prst="rect">
-            <a:avLst/>
-          </a:prstGeom>
-        </p:spPr>
-      </p:pic>
-      <p:sp>
-        <p:nvSpPr>
-          <p:cNvPr id="8" name="CuadroTexto 7">
-            <a:extLst>
-              <a:ext uri="{FF2B5EF4-FFF2-40B4-BE49-F238E27FC236}">
-                <a16:creationId xmlns:a16="http://schemas.microsoft.com/office/drawing/2014/main" id="{32AD6286-89AC-7DE7-47A0-B15F264C2658}"/>
-              </a:ext>
-            </a:extLst>
-          </p:cNvPr>
-          <p:cNvSpPr txBox="1"/>
-          <p:nvPr/>
-        </p:nvSpPr>
-        <p:spPr>
-          <a:xfrm>
-            <a:off x="433137" y="5101491"/>
-            <a:ext cx="8296977" cy="1199816"/>
-          </a:xfrm>
-          <a:prstGeom prst="rect">
-            <a:avLst/>
-          </a:prstGeom>
-          <a:noFill/>
-        </p:spPr>
-        <p:txBody>
-          <a:bodyPr wrap="square" rtlCol="0">
-            <a:spAutoFit/>
-          </a:bodyPr>
-          <a:lstStyle/>
-          <a:p>
-            <a:r>
-              <a:rPr lang="es-MX" dirty="0"/>
-              <a:t>Este código representa un </a:t>
-            </a:r>
-            <a:r>
-              <a:rPr lang="es-MX" b="1" dirty="0"/>
-              <a:t>grafo</a:t>
-            </a:r>
-            <a:r>
-              <a:rPr lang="es-MX" dirty="0"/>
-              <a:t> utilizando una estructura de </a:t>
-            </a:r>
-            <a:r>
-              <a:rPr lang="es-MX" b="1" dirty="0"/>
-              <a:t>listas de adyacencia</a:t>
-            </a:r>
-            <a:r>
-              <a:rPr lang="es-MX" dirty="0"/>
-              <a:t>, donde cada nodo puede estar conectado con uno o más nodos. El grafo permite agregar nodos, crear conexiones entre ellos y recorrerlos usando el algoritmo </a:t>
-            </a:r>
-            <a:r>
-              <a:rPr lang="es-MX" b="1" dirty="0"/>
-              <a:t>BFS (búsqueda en anchura)</a:t>
-            </a:r>
-            <a:r>
-              <a:rPr lang="es-MX" dirty="0"/>
-              <a:t>.</a:t>
-            </a:r>
-          </a:p>
-        </p:txBody>
-      </p:sp>
-      <p:pic>
-        <p:nvPicPr>
-          <p:cNvPr id="2050" name="Picture 2" descr="Grafo - Wikipedia, la enciclopedia libre">
-            <a:extLst>
-              <a:ext uri="{FF2B5EF4-FFF2-40B4-BE49-F238E27FC236}">
-                <a16:creationId xmlns:a16="http://schemas.microsoft.com/office/drawing/2014/main" id="{E7B96C8E-5E8F-D0DB-303B-F57EFB25832C}"/>
-              </a:ext>
-            </a:extLst>
-          </p:cNvPr>
-          <p:cNvPicPr>
-            <a:picLocks noChangeAspect="1" noChangeArrowheads="1"/>
-          </p:cNvPicPr>
-          <p:nvPr/>
-        </p:nvPicPr>
-        <p:blipFill>
-          <a:blip r:embed="rId4">
-            <a:extLst>
-              <a:ext uri="{28A0092B-C50C-407E-A947-70E740481C1C}">
-                <a14:useLocalDpi xmlns:a14="http://schemas.microsoft.com/office/drawing/2010/main" val="0"/>
-              </a:ext>
-            </a:extLst>
-          </a:blip>
-          <a:srcRect/>
-          <a:stretch>
-            <a:fillRect/>
-          </a:stretch>
-        </p:blipFill>
-        <p:spPr bwMode="auto">
-          <a:xfrm>
-            <a:off x="3123988" y="295963"/>
-            <a:ext cx="1809559" cy="1199816"/>
-          </a:xfrm>
-          <a:prstGeom prst="rect">
-            <a:avLst/>
-          </a:prstGeom>
-          <a:noFill/>
-          <a:extLst>
-            <a:ext uri="{909E8E84-426E-40DD-AFC4-6F175D3DCCD1}">
-              <a14:hiddenFill xmlns:a14="http://schemas.microsoft.com/office/drawing/2010/main">
-                <a:solidFill>
-                  <a:srgbClr val="FFFFFF"/>
-                </a:solidFill>
-              </a14:hiddenFill>
-            </a:ext>
-          </a:extLst>
-        </p:spPr>
-      </p:pic>
-    </p:spTree>
-    <p:extLst>
-      <p:ext uri="{BB962C8B-B14F-4D97-AF65-F5344CB8AC3E}">
-        <p14:creationId xmlns:p14="http://schemas.microsoft.com/office/powerpoint/2010/main" val="4003101147"/>
+        <p14:creationId xmlns:p14="http://schemas.microsoft.com/office/powerpoint/2010/main" val="3030624336"/>
       </p:ext>
     </p:extLst>
   </p:cSld>
